--- a/From Zero to Hero.pptx
+++ b/From Zero to Hero.pptx
@@ -8,10 +8,19 @@
     <p:sldId id="256" r:id="rId2"/>
     <p:sldId id="258" r:id="rId3"/>
     <p:sldId id="257" r:id="rId4"/>
-    <p:sldId id="259" r:id="rId5"/>
-    <p:sldId id="260" r:id="rId6"/>
-    <p:sldId id="261" r:id="rId7"/>
-    <p:sldId id="262" r:id="rId8"/>
+    <p:sldId id="268" r:id="rId5"/>
+    <p:sldId id="267" r:id="rId6"/>
+    <p:sldId id="271" r:id="rId7"/>
+    <p:sldId id="263" r:id="rId8"/>
+    <p:sldId id="264" r:id="rId9"/>
+    <p:sldId id="270" r:id="rId10"/>
+    <p:sldId id="265" r:id="rId11"/>
+    <p:sldId id="269" r:id="rId12"/>
+    <p:sldId id="266" r:id="rId13"/>
+    <p:sldId id="259" r:id="rId14"/>
+    <p:sldId id="260" r:id="rId15"/>
+    <p:sldId id="261" r:id="rId16"/>
+    <p:sldId id="262" r:id="rId17"/>
   </p:sldIdLst>
   <p:sldSz cx="12192000" cy="6858000"/>
   <p:notesSz cx="6858000" cy="9144000"/>
@@ -5801,345 +5810,6 @@
 </file>
 
 <file path=ppt/slides/slide1.xml><?xml version="1.0" encoding="utf-8"?>
-<p:sld xmlns:a="http://schemas.openxmlformats.org/drawingml/2006/main" xmlns:r="http://schemas.openxmlformats.org/officeDocument/2006/relationships" xmlns:p="http://schemas.openxmlformats.org/presentationml/2006/main" xmlns:c="http://schemas.openxmlformats.org/drawingml/2006/chart">
-  <p:cSld>
-    <p:spTree>
-      <p:nvGrpSpPr>
-        <p:cNvPr id="1" name=""/>
-        <p:cNvGrpSpPr/>
-        <p:nvPr/>
-      </p:nvGrpSpPr>
-      <p:grpSpPr>
-        <a:xfrm>
-          <a:off x="0" y="0"/>
-          <a:ext cx="0" cy="0"/>
-          <a:chOff x="0" y="0"/>
-          <a:chExt cx="0" cy="0"/>
-        </a:xfrm>
-      </p:grpSpPr>
-      <p:sp>
-        <p:nvSpPr>
-          <p:cNvPr id="1026" name="Shape"/>
-          <p:cNvSpPr/>
-          <p:nvPr>
-            <p:ph type="ctrTitle"/>
-          </p:nvPr>
-        </p:nvSpPr>
-        <p:spPr>
-          <a:xfrm>
-            <a:off x="1774190" y="1572260"/>
-            <a:ext cx="9144635" cy="1642110"/>
-          </a:xfrm>
-          <a:prstGeom prst="rect">
-            <a:avLst/>
-          </a:prstGeom>
-        </p:spPr>
-        <p:txBody>
-          <a:bodyPr/>
-          <a:lstStyle/>
-          <a:p>
-            <a:pPr/>
-            <a:r>
-              <a:rPr lang="en-US" smtClean="0" dirty="0"/>
-              <a:t>From</a:t>
-            </a:r>
-            <a:r>
-              <a:rPr lang="en-US" smtClean="0" dirty="0"/>
-              <a:t> </a:t>
-            </a:r>
-            <a:r>
-              <a:rPr lang="en-US" smtClean="0" dirty="0"/>
-              <a:t>Zero</a:t>
-            </a:r>
-            <a:r>
-              <a:rPr lang="en-US" smtClean="0" dirty="0"/>
-              <a:t> </a:t>
-            </a:r>
-            <a:r>
-              <a:rPr lang="en-US" smtClean="0" dirty="0"/>
-              <a:t>to</a:t>
-            </a:r>
-            <a:r>
-              <a:rPr lang="en-US" smtClean="0" dirty="0"/>
-              <a:t> </a:t>
-            </a:r>
-            <a:r>
-              <a:rPr lang="en-US" smtClean="0" dirty="0"/>
-              <a:t>Hero</a:t>
-            </a:r>
-          </a:p>
-        </p:txBody>
-      </p:sp>
-      <p:sp>
-        <p:nvSpPr>
-          <p:cNvPr id="1027" name="Shape"/>
-          <p:cNvSpPr/>
-          <p:nvPr>
-            <p:ph type="subTitle" idx="1"/>
-          </p:nvPr>
-        </p:nvSpPr>
-        <p:spPr>
-          <a:xfrm>
-            <a:off x="1774190" y="3380740"/>
-            <a:ext cx="9144635" cy="1691005"/>
-          </a:xfrm>
-          <a:prstGeom prst="rect">
-            <a:avLst/>
-          </a:prstGeom>
-        </p:spPr>
-        <p:txBody>
-          <a:bodyPr/>
-          <a:lstStyle/>
-          <a:p>
-            <a:pPr/>
-            <a:r>
-              <a:rPr lang="en-US" smtClean="0" dirty="0"/>
-              <a:t>A</a:t>
-            </a:r>
-            <a:r>
-              <a:rPr lang="en-US" smtClean="0" dirty="0"/>
-              <a:t> </a:t>
-            </a:r>
-            <a:r>
-              <a:rPr lang="en-US" smtClean="0" dirty="0"/>
-              <a:t>Hands</a:t>
-            </a:r>
-            <a:r>
-              <a:rPr lang="en-US" smtClean="0" dirty="0"/>
-              <a:t>-</a:t>
-            </a:r>
-            <a:r>
-              <a:rPr lang="en-US" smtClean="0" dirty="0"/>
-              <a:t>On</a:t>
-            </a:r>
-            <a:r>
-              <a:rPr lang="en-US" smtClean="0" dirty="0"/>
-              <a:t> </a:t>
-            </a:r>
-            <a:r>
-              <a:rPr lang="en-US" smtClean="0" dirty="0"/>
-              <a:t>Approach</a:t>
-            </a:r>
-            <a:r>
-              <a:rPr lang="en-US" smtClean="0" dirty="0"/>
-              <a:t> </a:t>
-            </a:r>
-            <a:r>
-              <a:rPr lang="en-US" smtClean="0" dirty="0"/>
-              <a:t>to</a:t>
-            </a:r>
-            <a:r>
-              <a:rPr lang="en-US" smtClean="0" dirty="0"/>
-              <a:t> </a:t>
-            </a:r>
-            <a:r>
-              <a:rPr lang="en-US" smtClean="0" dirty="0"/>
-              <a:t>R</a:t>
-            </a:r>
-            <a:r>
-              <a:rPr lang="en-US" smtClean="0" dirty="0"/>
-              <a:t> </a:t>
-            </a:r>
-            <a:r>
-              <a:rPr lang="en-US" smtClean="0" dirty="0"/>
-              <a:t>Stats</a:t>
-            </a:r>
-            <a:endParaRPr lang="en-US" smtClean="0" dirty="0"/>
-          </a:p>
-          <a:p>
-            <a:pPr/>
-            <a:r>
-              <a:rPr lang="en-US" smtClean="0" dirty="0"/>
-              <a:t>Pierre</a:t>
-            </a:r>
-            <a:r>
-              <a:rPr lang="en-US" smtClean="0" dirty="0"/>
-              <a:t> </a:t>
-            </a:r>
-            <a:r>
-              <a:rPr lang="en-US" smtClean="0" dirty="0"/>
-              <a:t>Lafortune</a:t>
-            </a:r>
-            <a:r>
-              <a:rPr lang="en-US" smtClean="0" dirty="0"/>
-              <a:t> </a:t>
-            </a:r>
-            <a:endParaRPr lang="en-US" smtClean="0" dirty="0"/>
-          </a:p>
-          <a:p>
-            <a:pPr/>
-            <a:r>
-              <a:rPr lang="en-US" smtClean="0" dirty="0"/>
-              <a:t>pi</a:t>
-            </a:r>
-            <a:r>
-              <a:rPr lang="en-US" smtClean="0" dirty="0"/>
-              <a:t>erre.a.lafortune@gmail.com</a:t>
-            </a:r>
-            <a:r>
-              <a:rPr lang="en-US" smtClean="0" dirty="0"/>
-              <a:t> </a:t>
-            </a:r>
-          </a:p>
-        </p:txBody>
-      </p:sp>
-    </p:spTree>
-  </p:cSld>
-  <p:clrMapOvr>
-    <a:masterClrMapping/>
-  </p:clrMapOvr>
-</p:sld>
-</file>
-
-<file path=ppt/slides/slide2.xml><?xml version="1.0" encoding="utf-8"?>
-<p:sld xmlns:a="http://schemas.openxmlformats.org/drawingml/2006/main" xmlns:r="http://schemas.openxmlformats.org/officeDocument/2006/relationships" xmlns:p="http://schemas.openxmlformats.org/presentationml/2006/main" xmlns:c="http://schemas.openxmlformats.org/drawingml/2006/chart">
-  <p:cSld>
-    <p:spTree>
-      <p:nvGrpSpPr>
-        <p:cNvPr id="1" name=""/>
-        <p:cNvGrpSpPr/>
-        <p:nvPr/>
-      </p:nvGrpSpPr>
-      <p:grpSpPr>
-        <a:xfrm>
-          <a:off x="0" y="0"/>
-          <a:ext cx="0" cy="0"/>
-          <a:chOff x="0" y="0"/>
-          <a:chExt cx="0" cy="0"/>
-        </a:xfrm>
-      </p:grpSpPr>
-      <p:sp>
-        <p:nvSpPr>
-          <p:cNvPr id="2050" name="Shape"/>
-          <p:cNvSpPr/>
-          <p:nvPr>
-            <p:ph type="title"/>
-          </p:nvPr>
-        </p:nvSpPr>
-        <p:spPr>
-          <a:prstGeom prst="rect">
-            <a:avLst/>
-          </a:prstGeom>
-        </p:spPr>
-        <p:txBody>
-          <a:bodyPr/>
-          <a:lstStyle/>
-          <a:p>
-            <a:pPr/>
-            <a:r>
-              <a:rPr lang="en-US" smtClean="0" dirty="0"/>
-              <a:t>Agenda</a:t>
-            </a:r>
-          </a:p>
-        </p:txBody>
-      </p:sp>
-      <p:sp>
-        <p:nvSpPr>
-          <p:cNvPr id="2051" name="Shape"/>
-          <p:cNvSpPr/>
-          <p:nvPr>
-            <p:ph idx="1"/>
-          </p:nvPr>
-        </p:nvSpPr>
-        <p:spPr>
-          <a:prstGeom prst="rect">
-            <a:avLst/>
-          </a:prstGeom>
-        </p:spPr>
-        <p:txBody>
-          <a:bodyPr/>
-          <a:lstStyle/>
-          <a:p>
-            <a:pPr/>
-            <a:r>
-              <a:rPr lang="en-US" smtClean="0" dirty="0"/>
-              <a:t>R</a:t>
-            </a:r>
-            <a:r>
-              <a:rPr lang="en-US" smtClean="0" dirty="0"/>
-              <a:t> </a:t>
-            </a:r>
-            <a:r>
-              <a:rPr lang="en-US" smtClean="0" dirty="0"/>
-              <a:t>Introduction</a:t>
-            </a:r>
-          </a:p>
-          <a:p>
-            <a:pPr/>
-            <a:r>
-              <a:rPr lang="en-US" smtClean="0" dirty="0"/>
-              <a:t>Problem</a:t>
-            </a:r>
-            <a:r>
-              <a:rPr lang="en-US" smtClean="0" dirty="0"/>
-              <a:t> </a:t>
-            </a:r>
-            <a:r>
-              <a:rPr lang="en-US" smtClean="0" dirty="0"/>
-              <a:t>Statement</a:t>
-            </a:r>
-          </a:p>
-          <a:p>
-            <a:pPr/>
-            <a:r>
-              <a:rPr lang="en-US" smtClean="0" dirty="0"/>
-              <a:t>Live</a:t>
-            </a:r>
-            <a:r>
-              <a:rPr lang="en-US" smtClean="0" dirty="0"/>
-              <a:t> </a:t>
-            </a:r>
-            <a:r>
-              <a:rPr lang="en-US" smtClean="0" dirty="0"/>
-              <a:t>Coding</a:t>
-            </a:r>
-            <a:r>
-              <a:rPr lang="en-US" smtClean="0" dirty="0"/>
-              <a:t> </a:t>
-            </a:r>
-          </a:p>
-          <a:p>
-            <a:pPr/>
-            <a:r>
-              <a:rPr lang="en-US" smtClean="0" dirty="0"/>
-              <a:t>Participant</a:t>
-            </a:r>
-            <a:r>
-              <a:rPr lang="en-US" smtClean="0" dirty="0"/>
-              <a:t> </a:t>
-            </a:r>
-            <a:r>
-              <a:rPr lang="en-US" smtClean="0" dirty="0"/>
-              <a:t>Challenges</a:t>
-            </a:r>
-            <a:endParaRPr lang="en-US" smtClean="0" dirty="0"/>
-          </a:p>
-          <a:p>
-            <a:pPr/>
-            <a:r>
-              <a:rPr lang="en-US" smtClean="0" dirty="0"/>
-              <a:t>Learn</a:t>
-            </a:r>
-            <a:r>
-              <a:rPr lang="en-US" smtClean="0" dirty="0"/>
-              <a:t> </a:t>
-            </a:r>
-            <a:r>
-              <a:rPr lang="en-US" smtClean="0" dirty="0"/>
-              <a:t>More</a:t>
-            </a:r>
-          </a:p>
-        </p:txBody>
-      </p:sp>
-    </p:spTree>
-  </p:cSld>
-  <p:clrMapOvr>
-    <a:masterClrMapping/>
-  </p:clrMapOvr>
-</p:sld>
-</file>
-
-<file path=ppt/slides/slide3.xml><?xml version="1.0" encoding="utf-8"?>
 <p:sld xmlns:a="http://schemas.openxmlformats.org/drawingml/2006/main" xmlns:r="http://schemas.openxmlformats.org/officeDocument/2006/relationships" xmlns:p="http://schemas.openxmlformats.org/presentationml/2006/main">
   <p:cSld>
     <p:spTree>
@@ -6163,17 +5833,22 @@
             <a:spLocks noGrp="1"/>
           </p:cNvSpPr>
           <p:nvPr>
-            <p:ph type="title"/>
-          </p:nvPr>
-        </p:nvSpPr>
-        <p:spPr/>
+            <p:ph type="ctrTitle"/>
+          </p:nvPr>
+        </p:nvSpPr>
+        <p:spPr>
+          <a:xfrm>
+            <a:off x="1774371" y="1572782"/>
+            <a:ext cx="9144000" cy="1641490"/>
+          </a:xfrm>
+        </p:spPr>
         <p:txBody>
           <a:bodyPr/>
           <a:lstStyle/>
           <a:p>
             <a:r>
               <a:rPr lang="en-US" dirty="0" smtClean="0"/>
-              <a:t>R Quick Launch</a:t>
+              <a:t>From Zero to Hero</a:t>
             </a:r>
             <a:endParaRPr lang="en-US" dirty="0"/>
           </a:p>
@@ -6181,61 +5856,72 @@
       </p:sp>
       <p:sp>
         <p:nvSpPr>
-          <p:cNvPr id="3" name="Content Placeholder 2"/>
-          <p:cNvSpPr>
-            <a:spLocks noGrp="1"/>
-          </p:cNvSpPr>
-          <p:nvPr>
-            <p:ph idx="1"/>
-          </p:nvPr>
-        </p:nvSpPr>
-        <p:spPr/>
+          <p:cNvPr id="3" name="Subtitle 2"/>
+          <p:cNvSpPr>
+            <a:spLocks noGrp="1"/>
+          </p:cNvSpPr>
+          <p:nvPr>
+            <p:ph type="subTitle" idx="1"/>
+          </p:nvPr>
+        </p:nvSpPr>
+        <p:spPr>
+          <a:xfrm>
+            <a:off x="1774371" y="3380866"/>
+            <a:ext cx="9144000" cy="754025"/>
+          </a:xfrm>
+        </p:spPr>
         <p:txBody>
           <a:bodyPr/>
           <a:lstStyle/>
           <a:p>
             <a:r>
               <a:rPr lang="en-US" dirty="0" smtClean="0"/>
-              <a:t>Statistical software environment</a:t>
-            </a:r>
-          </a:p>
-          <a:p>
-            <a:r>
-              <a:rPr lang="en-US" dirty="0" smtClean="0"/>
-              <a:t>Built on S programming language</a:t>
-            </a:r>
-          </a:p>
-          <a:p>
-            <a:r>
-              <a:rPr lang="en-US" dirty="0" smtClean="0"/>
-              <a:t>Named R after originators Robert Gentleman and Ross Ihaka</a:t>
-            </a:r>
-          </a:p>
-          <a:p>
-            <a:r>
-              <a:rPr lang="en-US" dirty="0" smtClean="0"/>
-              <a:t>Created in 1993</a:t>
-            </a:r>
-          </a:p>
-          <a:p>
-            <a:r>
-              <a:rPr lang="en-US" dirty="0" smtClean="0"/>
-              <a:t>Open-source under General Public License</a:t>
-            </a:r>
-          </a:p>
-          <a:p>
-            <a:r>
-              <a:rPr lang="en-US" dirty="0" smtClean="0"/>
-              <a:t>Source-code written in C, Fortran, and R</a:t>
+              <a:t>A Hands-On Approach to R Stats</a:t>
             </a:r>
             <a:endParaRPr lang="en-US" dirty="0"/>
+          </a:p>
+        </p:txBody>
+      </p:sp>
+      <p:sp>
+        <p:nvSpPr>
+          <p:cNvPr id="4" name="TextBox 3"/>
+          <p:cNvSpPr txBox="1"/>
+          <p:nvPr/>
+        </p:nvSpPr>
+        <p:spPr>
+          <a:xfrm>
+            <a:off x="7881258" y="5390606"/>
+            <a:ext cx="3294492" cy="646331"/>
+          </a:xfrm>
+          <a:prstGeom prst="rect">
+            <a:avLst/>
+          </a:prstGeom>
+          <a:noFill/>
+        </p:spPr>
+        <p:txBody>
+          <a:bodyPr wrap="none" rtlCol="0">
+            <a:spAutoFit/>
+          </a:bodyPr>
+          <a:lstStyle/>
+          <a:p>
+            <a:r>
+              <a:rPr lang="en-US" b="1" dirty="0" smtClean="0"/>
+              <a:t>Pierre Lafortune</a:t>
+            </a:r>
+          </a:p>
+          <a:p>
+            <a:r>
+              <a:rPr lang="en-US" b="1" dirty="0" smtClean="0"/>
+              <a:t>pierre.a.lafortune@gmail.com</a:t>
+            </a:r>
+            <a:endParaRPr lang="en-US" b="1" dirty="0"/>
           </a:p>
         </p:txBody>
       </p:sp>
     </p:spTree>
     <p:extLst>
       <p:ext uri="{BB962C8B-B14F-4D97-AF65-F5344CB8AC3E}">
-        <p14:creationId xmlns:p14="http://schemas.microsoft.com/office/powerpoint/2010/main" val="1936911784"/>
+        <p14:creationId xmlns:p14="http://schemas.microsoft.com/office/powerpoint/2010/main" val="2949194702"/>
       </p:ext>
     </p:extLst>
   </p:cSld>
@@ -6245,7 +5931,7 @@
 </p:sld>
 </file>
 
-<file path=ppt/slides/slide4.xml><?xml version="1.0" encoding="utf-8"?>
+<file path=ppt/slides/slide10.xml><?xml version="1.0" encoding="utf-8"?>
 <p:sld xmlns:a="http://schemas.openxmlformats.org/drawingml/2006/main" xmlns:r="http://schemas.openxmlformats.org/officeDocument/2006/relationships" xmlns:p="http://schemas.openxmlformats.org/presentationml/2006/main">
   <p:cSld>
     <p:spTree>
@@ -6262,6 +5948,665 @@
           <a:chExt cx="0" cy="0"/>
         </a:xfrm>
       </p:grpSpPr>
+      <p:pic>
+        <p:nvPicPr>
+          <p:cNvPr id="4" name="Content Placeholder 3"/>
+          <p:cNvPicPr>
+            <a:picLocks noGrp="1" noChangeAspect="1"/>
+          </p:cNvPicPr>
+          <p:nvPr>
+            <p:ph idx="1"/>
+          </p:nvPr>
+        </p:nvPicPr>
+        <p:blipFill>
+          <a:blip r:embed="rId2">
+            <a:extLst>
+              <a:ext uri="{28A0092B-C50C-407E-A947-70E740481C1C}">
+                <a14:useLocalDpi xmlns:a14="http://schemas.microsoft.com/office/drawing/2010/main" val="0"/>
+              </a:ext>
+            </a:extLst>
+          </a:blip>
+          <a:stretch>
+            <a:fillRect/>
+          </a:stretch>
+        </p:blipFill>
+        <p:spPr>
+          <a:xfrm>
+            <a:off x="7271658" y="3935260"/>
+            <a:ext cx="3967480" cy="2615921"/>
+          </a:xfrm>
+        </p:spPr>
+      </p:pic>
+      <p:pic>
+        <p:nvPicPr>
+          <p:cNvPr id="5" name="Picture 4"/>
+          <p:cNvPicPr>
+            <a:picLocks noChangeAspect="1"/>
+          </p:cNvPicPr>
+          <p:nvPr/>
+        </p:nvPicPr>
+        <p:blipFill>
+          <a:blip r:embed="rId3" cstate="print">
+            <a:extLst>
+              <a:ext uri="{28A0092B-C50C-407E-A947-70E740481C1C}">
+                <a14:useLocalDpi xmlns:a14="http://schemas.microsoft.com/office/drawing/2010/main" val="0"/>
+              </a:ext>
+            </a:extLst>
+          </a:blip>
+          <a:stretch>
+            <a:fillRect/>
+          </a:stretch>
+        </p:blipFill>
+        <p:spPr>
+          <a:xfrm>
+            <a:off x="330818" y="243313"/>
+            <a:ext cx="958470" cy="958470"/>
+          </a:xfrm>
+          <a:prstGeom prst="rect">
+            <a:avLst/>
+          </a:prstGeom>
+        </p:spPr>
+      </p:pic>
+      <p:pic>
+        <p:nvPicPr>
+          <p:cNvPr id="6" name="Picture 5"/>
+          <p:cNvPicPr>
+            <a:picLocks noChangeAspect="1"/>
+          </p:cNvPicPr>
+          <p:nvPr/>
+        </p:nvPicPr>
+        <p:blipFill>
+          <a:blip r:embed="rId4" cstate="print">
+            <a:extLst>
+              <a:ext uri="{28A0092B-C50C-407E-A947-70E740481C1C}">
+                <a14:useLocalDpi xmlns:a14="http://schemas.microsoft.com/office/drawing/2010/main" val="0"/>
+              </a:ext>
+            </a:extLst>
+          </a:blip>
+          <a:stretch>
+            <a:fillRect/>
+          </a:stretch>
+        </p:blipFill>
+        <p:spPr>
+          <a:xfrm>
+            <a:off x="225693" y="1995493"/>
+            <a:ext cx="1311008" cy="737442"/>
+          </a:xfrm>
+          <a:prstGeom prst="rect">
+            <a:avLst/>
+          </a:prstGeom>
+        </p:spPr>
+      </p:pic>
+      <p:pic>
+        <p:nvPicPr>
+          <p:cNvPr id="7" name="Picture 6"/>
+          <p:cNvPicPr>
+            <a:picLocks noChangeAspect="1"/>
+          </p:cNvPicPr>
+          <p:nvPr/>
+        </p:nvPicPr>
+        <p:blipFill>
+          <a:blip r:embed="rId5" cstate="print">
+            <a:extLst>
+              <a:ext uri="{28A0092B-C50C-407E-A947-70E740481C1C}">
+                <a14:useLocalDpi xmlns:a14="http://schemas.microsoft.com/office/drawing/2010/main" val="0"/>
+              </a:ext>
+            </a:extLst>
+          </a:blip>
+          <a:stretch>
+            <a:fillRect/>
+          </a:stretch>
+        </p:blipFill>
+        <p:spPr>
+          <a:xfrm>
+            <a:off x="7624899" y="1295283"/>
+            <a:ext cx="4038292" cy="1969468"/>
+          </a:xfrm>
+          <a:prstGeom prst="rect">
+            <a:avLst/>
+          </a:prstGeom>
+        </p:spPr>
+      </p:pic>
+      <p:pic>
+        <p:nvPicPr>
+          <p:cNvPr id="8" name="Picture 7"/>
+          <p:cNvPicPr>
+            <a:picLocks noChangeAspect="1"/>
+          </p:cNvPicPr>
+          <p:nvPr/>
+        </p:nvPicPr>
+        <p:blipFill>
+          <a:blip r:embed="rId6">
+            <a:extLst>
+              <a:ext uri="{28A0092B-C50C-407E-A947-70E740481C1C}">
+                <a14:useLocalDpi xmlns:a14="http://schemas.microsoft.com/office/drawing/2010/main" val="0"/>
+              </a:ext>
+            </a:extLst>
+          </a:blip>
+          <a:stretch>
+            <a:fillRect/>
+          </a:stretch>
+        </p:blipFill>
+        <p:spPr>
+          <a:xfrm>
+            <a:off x="1767960" y="1201783"/>
+            <a:ext cx="774701" cy="774701"/>
+          </a:xfrm>
+          <a:prstGeom prst="rect">
+            <a:avLst/>
+          </a:prstGeom>
+        </p:spPr>
+      </p:pic>
+      <p:pic>
+        <p:nvPicPr>
+          <p:cNvPr id="9" name="Picture 8"/>
+          <p:cNvPicPr>
+            <a:picLocks noChangeAspect="1"/>
+          </p:cNvPicPr>
+          <p:nvPr/>
+        </p:nvPicPr>
+        <p:blipFill>
+          <a:blip r:embed="rId7" cstate="print">
+            <a:extLst>
+              <a:ext uri="{28A0092B-C50C-407E-A947-70E740481C1C}">
+                <a14:useLocalDpi xmlns:a14="http://schemas.microsoft.com/office/drawing/2010/main" val="0"/>
+              </a:ext>
+            </a:extLst>
+          </a:blip>
+          <a:stretch>
+            <a:fillRect/>
+          </a:stretch>
+        </p:blipFill>
+        <p:spPr>
+          <a:xfrm>
+            <a:off x="945729" y="3115529"/>
+            <a:ext cx="1644461" cy="822231"/>
+          </a:xfrm>
+          <a:prstGeom prst="rect">
+            <a:avLst/>
+          </a:prstGeom>
+        </p:spPr>
+      </p:pic>
+      <p:pic>
+        <p:nvPicPr>
+          <p:cNvPr id="10" name="Picture 9"/>
+          <p:cNvPicPr>
+            <a:picLocks noChangeAspect="1"/>
+          </p:cNvPicPr>
+          <p:nvPr/>
+        </p:nvPicPr>
+        <p:blipFill>
+          <a:blip r:embed="rId8">
+            <a:extLst>
+              <a:ext uri="{28A0092B-C50C-407E-A947-70E740481C1C}">
+                <a14:useLocalDpi xmlns:a14="http://schemas.microsoft.com/office/drawing/2010/main" val="0"/>
+              </a:ext>
+            </a:extLst>
+          </a:blip>
+          <a:stretch>
+            <a:fillRect/>
+          </a:stretch>
+        </p:blipFill>
+        <p:spPr>
+          <a:xfrm>
+            <a:off x="3053638" y="3526644"/>
+            <a:ext cx="3980999" cy="1681972"/>
+          </a:xfrm>
+          <a:prstGeom prst="rect">
+            <a:avLst/>
+          </a:prstGeom>
+        </p:spPr>
+      </p:pic>
+      <p:pic>
+        <p:nvPicPr>
+          <p:cNvPr id="11" name="Picture 10"/>
+          <p:cNvPicPr>
+            <a:picLocks noChangeAspect="1"/>
+          </p:cNvPicPr>
+          <p:nvPr/>
+        </p:nvPicPr>
+        <p:blipFill>
+          <a:blip r:embed="rId9">
+            <a:extLst>
+              <a:ext uri="{28A0092B-C50C-407E-A947-70E740481C1C}">
+                <a14:useLocalDpi xmlns:a14="http://schemas.microsoft.com/office/drawing/2010/main" val="0"/>
+              </a:ext>
+            </a:extLst>
+          </a:blip>
+          <a:stretch>
+            <a:fillRect/>
+          </a:stretch>
+        </p:blipFill>
+        <p:spPr>
+          <a:xfrm>
+            <a:off x="3053638" y="243313"/>
+            <a:ext cx="4060284" cy="2350691"/>
+          </a:xfrm>
+          <a:prstGeom prst="rect">
+            <a:avLst/>
+          </a:prstGeom>
+        </p:spPr>
+      </p:pic>
+    </p:spTree>
+    <p:extLst>
+      <p:ext uri="{BB962C8B-B14F-4D97-AF65-F5344CB8AC3E}">
+        <p14:creationId xmlns:p14="http://schemas.microsoft.com/office/powerpoint/2010/main" val="4126526185"/>
+      </p:ext>
+    </p:extLst>
+  </p:cSld>
+  <p:clrMapOvr>
+    <a:masterClrMapping/>
+  </p:clrMapOvr>
+</p:sld>
+</file>
+
+<file path=ppt/slides/slide11.xml><?xml version="1.0" encoding="utf-8"?>
+<p:sld xmlns:a="http://schemas.openxmlformats.org/drawingml/2006/main" xmlns:r="http://schemas.openxmlformats.org/officeDocument/2006/relationships" xmlns:p="http://schemas.openxmlformats.org/presentationml/2006/main">
+  <p:cSld>
+    <p:spTree>
+      <p:nvGrpSpPr>
+        <p:cNvPr id="1" name=""/>
+        <p:cNvGrpSpPr/>
+        <p:nvPr/>
+      </p:nvGrpSpPr>
+      <p:grpSpPr>
+        <a:xfrm>
+          <a:off x="0" y="0"/>
+          <a:ext cx="0" cy="0"/>
+          <a:chOff x="0" y="0"/>
+          <a:chExt cx="0" cy="0"/>
+        </a:xfrm>
+      </p:grpSpPr>
+      <p:pic>
+        <p:nvPicPr>
+          <p:cNvPr id="4" name="Picture 3"/>
+          <p:cNvPicPr>
+            <a:picLocks noChangeAspect="1"/>
+          </p:cNvPicPr>
+          <p:nvPr/>
+        </p:nvPicPr>
+        <p:blipFill>
+          <a:blip r:embed="rId2">
+            <a:extLst>
+              <a:ext uri="{28A0092B-C50C-407E-A947-70E740481C1C}">
+                <a14:useLocalDpi xmlns:a14="http://schemas.microsoft.com/office/drawing/2010/main" val="0"/>
+              </a:ext>
+            </a:extLst>
+          </a:blip>
+          <a:stretch>
+            <a:fillRect/>
+          </a:stretch>
+        </p:blipFill>
+        <p:spPr>
+          <a:xfrm>
+            <a:off x="1149531" y="312184"/>
+            <a:ext cx="5659200" cy="2674856"/>
+          </a:xfrm>
+          <a:prstGeom prst="rect">
+            <a:avLst/>
+          </a:prstGeom>
+        </p:spPr>
+      </p:pic>
+      <p:pic>
+        <p:nvPicPr>
+          <p:cNvPr id="5" name="Picture 4"/>
+          <p:cNvPicPr>
+            <a:picLocks noChangeAspect="1"/>
+          </p:cNvPicPr>
+          <p:nvPr/>
+        </p:nvPicPr>
+        <p:blipFill>
+          <a:blip r:embed="rId3">
+            <a:extLst>
+              <a:ext uri="{28A0092B-C50C-407E-A947-70E740481C1C}">
+                <a14:useLocalDpi xmlns:a14="http://schemas.microsoft.com/office/drawing/2010/main" val="0"/>
+              </a:ext>
+            </a:extLst>
+          </a:blip>
+          <a:stretch>
+            <a:fillRect/>
+          </a:stretch>
+        </p:blipFill>
+        <p:spPr>
+          <a:xfrm>
+            <a:off x="8407630" y="104503"/>
+            <a:ext cx="3050245" cy="3327540"/>
+          </a:xfrm>
+          <a:prstGeom prst="rect">
+            <a:avLst/>
+          </a:prstGeom>
+        </p:spPr>
+      </p:pic>
+      <p:pic>
+        <p:nvPicPr>
+          <p:cNvPr id="6" name="Picture 5"/>
+          <p:cNvPicPr>
+            <a:picLocks noChangeAspect="1"/>
+          </p:cNvPicPr>
+          <p:nvPr/>
+        </p:nvPicPr>
+        <p:blipFill>
+          <a:blip r:embed="rId4">
+            <a:extLst>
+              <a:ext uri="{28A0092B-C50C-407E-A947-70E740481C1C}">
+                <a14:useLocalDpi xmlns:a14="http://schemas.microsoft.com/office/drawing/2010/main" val="0"/>
+              </a:ext>
+            </a:extLst>
+          </a:blip>
+          <a:stretch>
+            <a:fillRect/>
+          </a:stretch>
+        </p:blipFill>
+        <p:spPr>
+          <a:xfrm>
+            <a:off x="7937417" y="3862105"/>
+            <a:ext cx="3442388" cy="2581791"/>
+          </a:xfrm>
+          <a:prstGeom prst="rect">
+            <a:avLst/>
+          </a:prstGeom>
+        </p:spPr>
+      </p:pic>
+      <p:pic>
+        <p:nvPicPr>
+          <p:cNvPr id="7" name="Picture 6"/>
+          <p:cNvPicPr>
+            <a:picLocks noChangeAspect="1"/>
+          </p:cNvPicPr>
+          <p:nvPr/>
+        </p:nvPicPr>
+        <p:blipFill>
+          <a:blip r:embed="rId5" cstate="print">
+            <a:extLst>
+              <a:ext uri="{28A0092B-C50C-407E-A947-70E740481C1C}">
+                <a14:useLocalDpi xmlns:a14="http://schemas.microsoft.com/office/drawing/2010/main" val="0"/>
+              </a:ext>
+            </a:extLst>
+          </a:blip>
+          <a:stretch>
+            <a:fillRect/>
+          </a:stretch>
+        </p:blipFill>
+        <p:spPr>
+          <a:xfrm>
+            <a:off x="287381" y="4166002"/>
+            <a:ext cx="2543680" cy="1694419"/>
+          </a:xfrm>
+          <a:prstGeom prst="rect">
+            <a:avLst/>
+          </a:prstGeom>
+        </p:spPr>
+      </p:pic>
+      <p:pic>
+        <p:nvPicPr>
+          <p:cNvPr id="8" name="Picture 7"/>
+          <p:cNvPicPr>
+            <a:picLocks noChangeAspect="1"/>
+          </p:cNvPicPr>
+          <p:nvPr/>
+        </p:nvPicPr>
+        <p:blipFill>
+          <a:blip r:embed="rId6">
+            <a:extLst>
+              <a:ext uri="{28A0092B-C50C-407E-A947-70E740481C1C}">
+                <a14:useLocalDpi xmlns:a14="http://schemas.microsoft.com/office/drawing/2010/main" val="0"/>
+              </a:ext>
+            </a:extLst>
+          </a:blip>
+          <a:stretch>
+            <a:fillRect/>
+          </a:stretch>
+        </p:blipFill>
+        <p:spPr>
+          <a:xfrm>
+            <a:off x="3162233" y="3519967"/>
+            <a:ext cx="4444012" cy="2459020"/>
+          </a:xfrm>
+          <a:prstGeom prst="rect">
+            <a:avLst/>
+          </a:prstGeom>
+        </p:spPr>
+      </p:pic>
+    </p:spTree>
+    <p:extLst>
+      <p:ext uri="{BB962C8B-B14F-4D97-AF65-F5344CB8AC3E}">
+        <p14:creationId xmlns:p14="http://schemas.microsoft.com/office/powerpoint/2010/main" val="2740040362"/>
+      </p:ext>
+    </p:extLst>
+  </p:cSld>
+  <p:clrMapOvr>
+    <a:masterClrMapping/>
+  </p:clrMapOvr>
+</p:sld>
+</file>
+
+<file path=ppt/slides/slide12.xml><?xml version="1.0" encoding="utf-8"?>
+<p:sld xmlns:a="http://schemas.openxmlformats.org/drawingml/2006/main" xmlns:r="http://schemas.openxmlformats.org/officeDocument/2006/relationships" xmlns:p="http://schemas.openxmlformats.org/presentationml/2006/main">
+  <p:cSld>
+    <p:spTree>
+      <p:nvGrpSpPr>
+        <p:cNvPr id="1" name=""/>
+        <p:cNvGrpSpPr/>
+        <p:nvPr/>
+      </p:nvGrpSpPr>
+      <p:grpSpPr>
+        <a:xfrm>
+          <a:off x="0" y="0"/>
+          <a:ext cx="0" cy="0"/>
+          <a:chOff x="0" y="0"/>
+          <a:chExt cx="0" cy="0"/>
+        </a:xfrm>
+      </p:grpSpPr>
+      <p:pic>
+        <p:nvPicPr>
+          <p:cNvPr id="4" name="Picture 3"/>
+          <p:cNvPicPr>
+            <a:picLocks noChangeAspect="1"/>
+          </p:cNvPicPr>
+          <p:nvPr/>
+        </p:nvPicPr>
+        <p:blipFill>
+          <a:blip r:embed="rId2">
+            <a:extLst>
+              <a:ext uri="{28A0092B-C50C-407E-A947-70E740481C1C}">
+                <a14:useLocalDpi xmlns:a14="http://schemas.microsoft.com/office/drawing/2010/main" val="0"/>
+              </a:ext>
+            </a:extLst>
+          </a:blip>
+          <a:stretch>
+            <a:fillRect/>
+          </a:stretch>
+        </p:blipFill>
+        <p:spPr>
+          <a:xfrm>
+            <a:off x="7257648" y="296091"/>
+            <a:ext cx="4489398" cy="2526166"/>
+          </a:xfrm>
+          <a:prstGeom prst="rect">
+            <a:avLst/>
+          </a:prstGeom>
+        </p:spPr>
+      </p:pic>
+      <p:pic>
+        <p:nvPicPr>
+          <p:cNvPr id="5" name="Picture 4"/>
+          <p:cNvPicPr>
+            <a:picLocks noChangeAspect="1"/>
+          </p:cNvPicPr>
+          <p:nvPr/>
+        </p:nvPicPr>
+        <p:blipFill>
+          <a:blip r:embed="rId3" cstate="print">
+            <a:extLst>
+              <a:ext uri="{28A0092B-C50C-407E-A947-70E740481C1C}">
+                <a14:useLocalDpi xmlns:a14="http://schemas.microsoft.com/office/drawing/2010/main" val="0"/>
+              </a:ext>
+            </a:extLst>
+          </a:blip>
+          <a:stretch>
+            <a:fillRect/>
+          </a:stretch>
+        </p:blipFill>
+        <p:spPr>
+          <a:xfrm>
+            <a:off x="4159560" y="818607"/>
+            <a:ext cx="2386495" cy="1773536"/>
+          </a:xfrm>
+          <a:prstGeom prst="rect">
+            <a:avLst/>
+          </a:prstGeom>
+        </p:spPr>
+      </p:pic>
+      <p:pic>
+        <p:nvPicPr>
+          <p:cNvPr id="6" name="Picture 5"/>
+          <p:cNvPicPr>
+            <a:picLocks noChangeAspect="1"/>
+          </p:cNvPicPr>
+          <p:nvPr/>
+        </p:nvPicPr>
+        <p:blipFill>
+          <a:blip r:embed="rId4">
+            <a:extLst>
+              <a:ext uri="{28A0092B-C50C-407E-A947-70E740481C1C}">
+                <a14:useLocalDpi xmlns:a14="http://schemas.microsoft.com/office/drawing/2010/main" val="0"/>
+              </a:ext>
+            </a:extLst>
+          </a:blip>
+          <a:stretch>
+            <a:fillRect/>
+          </a:stretch>
+        </p:blipFill>
+        <p:spPr>
+          <a:xfrm>
+            <a:off x="263813" y="231460"/>
+            <a:ext cx="3184154" cy="2121057"/>
+          </a:xfrm>
+          <a:prstGeom prst="rect">
+            <a:avLst/>
+          </a:prstGeom>
+        </p:spPr>
+      </p:pic>
+      <p:pic>
+        <p:nvPicPr>
+          <p:cNvPr id="7" name="Picture 6"/>
+          <p:cNvPicPr>
+            <a:picLocks noChangeAspect="1"/>
+          </p:cNvPicPr>
+          <p:nvPr/>
+        </p:nvPicPr>
+        <p:blipFill>
+          <a:blip r:embed="rId5">
+            <a:extLst>
+              <a:ext uri="{28A0092B-C50C-407E-A947-70E740481C1C}">
+                <a14:useLocalDpi xmlns:a14="http://schemas.microsoft.com/office/drawing/2010/main" val="0"/>
+              </a:ext>
+            </a:extLst>
+          </a:blip>
+          <a:stretch>
+            <a:fillRect/>
+          </a:stretch>
+        </p:blipFill>
+        <p:spPr>
+          <a:xfrm>
+            <a:off x="7257648" y="3134488"/>
+            <a:ext cx="4135622" cy="2260097"/>
+          </a:xfrm>
+          <a:prstGeom prst="rect">
+            <a:avLst/>
+          </a:prstGeom>
+        </p:spPr>
+      </p:pic>
+      <p:pic>
+        <p:nvPicPr>
+          <p:cNvPr id="8" name="Picture 7"/>
+          <p:cNvPicPr>
+            <a:picLocks noChangeAspect="1"/>
+          </p:cNvPicPr>
+          <p:nvPr/>
+        </p:nvPicPr>
+        <p:blipFill>
+          <a:blip r:embed="rId6">
+            <a:extLst>
+              <a:ext uri="{28A0092B-C50C-407E-A947-70E740481C1C}">
+                <a14:useLocalDpi xmlns:a14="http://schemas.microsoft.com/office/drawing/2010/main" val="0"/>
+              </a:ext>
+            </a:extLst>
+          </a:blip>
+          <a:stretch>
+            <a:fillRect/>
+          </a:stretch>
+        </p:blipFill>
+        <p:spPr>
+          <a:xfrm>
+            <a:off x="3077588" y="4619375"/>
+            <a:ext cx="3802183" cy="1715735"/>
+          </a:xfrm>
+          <a:prstGeom prst="rect">
+            <a:avLst/>
+          </a:prstGeom>
+        </p:spPr>
+      </p:pic>
+      <p:pic>
+        <p:nvPicPr>
+          <p:cNvPr id="9" name="Picture 8"/>
+          <p:cNvPicPr>
+            <a:picLocks noChangeAspect="1"/>
+          </p:cNvPicPr>
+          <p:nvPr/>
+        </p:nvPicPr>
+        <p:blipFill>
+          <a:blip r:embed="rId7" cstate="print">
+            <a:extLst>
+              <a:ext uri="{28A0092B-C50C-407E-A947-70E740481C1C}">
+                <a14:useLocalDpi xmlns:a14="http://schemas.microsoft.com/office/drawing/2010/main" val="0"/>
+              </a:ext>
+            </a:extLst>
+          </a:blip>
+          <a:stretch>
+            <a:fillRect/>
+          </a:stretch>
+        </p:blipFill>
+        <p:spPr>
+          <a:xfrm>
+            <a:off x="263813" y="2949252"/>
+            <a:ext cx="4005943" cy="1459196"/>
+          </a:xfrm>
+          <a:prstGeom prst="rect">
+            <a:avLst/>
+          </a:prstGeom>
+        </p:spPr>
+      </p:pic>
+    </p:spTree>
+    <p:extLst>
+      <p:ext uri="{BB962C8B-B14F-4D97-AF65-F5344CB8AC3E}">
+        <p14:creationId xmlns:p14="http://schemas.microsoft.com/office/powerpoint/2010/main" val="1032288204"/>
+      </p:ext>
+    </p:extLst>
+  </p:cSld>
+  <p:clrMapOvr>
+    <a:masterClrMapping/>
+  </p:clrMapOvr>
+</p:sld>
+</file>
+
+<file path=ppt/slides/slide13.xml><?xml version="1.0" encoding="utf-8"?>
+<p:sld xmlns:a="http://schemas.openxmlformats.org/drawingml/2006/main" xmlns:r="http://schemas.openxmlformats.org/officeDocument/2006/relationships" xmlns:p="http://schemas.openxmlformats.org/presentationml/2006/main">
+  <p:cSld>
+    <p:spTree>
+      <p:nvGrpSpPr>
+        <p:cNvPr id="1" name=""/>
+        <p:cNvGrpSpPr/>
+        <p:nvPr/>
+      </p:nvGrpSpPr>
+      <p:grpSpPr>
+        <a:xfrm>
+          <a:off x="0" y="0"/>
+          <a:ext cx="0" cy="0"/>
+          <a:chOff x="0" y="0"/>
+          <a:chExt cx="0" cy="0"/>
+        </a:xfrm>
+      </p:grpSpPr>
       <p:sp>
         <p:nvSpPr>
           <p:cNvPr id="2" name="Title 1"/>
@@ -6338,7 +6683,7 @@
 </p:sld>
 </file>
 
-<file path=ppt/slides/slide5.xml><?xml version="1.0" encoding="utf-8"?>
+<file path=ppt/slides/slide14.xml><?xml version="1.0" encoding="utf-8"?>
 <p:sld xmlns:a="http://schemas.openxmlformats.org/drawingml/2006/main" xmlns:r="http://schemas.openxmlformats.org/officeDocument/2006/relationships" xmlns:p="http://schemas.openxmlformats.org/presentationml/2006/main">
   <p:cSld>
     <p:spTree>
@@ -7178,7 +7523,7 @@
 </p:sld>
 </file>
 
-<file path=ppt/slides/slide6.xml><?xml version="1.0" encoding="utf-8"?>
+<file path=ppt/slides/slide15.xml><?xml version="1.0" encoding="utf-8"?>
 <p:sld xmlns:a="http://schemas.openxmlformats.org/drawingml/2006/main" xmlns:r="http://schemas.openxmlformats.org/officeDocument/2006/relationships" xmlns:p="http://schemas.openxmlformats.org/presentationml/2006/main">
   <p:cSld>
     <p:spTree>
@@ -9136,6 +9481,912 @@
 </p:sld>
 </file>
 
+<file path=ppt/slides/slide16.xml><?xml version="1.0" encoding="utf-8"?>
+<p:sld xmlns:a="http://schemas.openxmlformats.org/drawingml/2006/main" xmlns:r="http://schemas.openxmlformats.org/officeDocument/2006/relationships" xmlns:p="http://schemas.openxmlformats.org/presentationml/2006/main">
+  <p:cSld>
+    <p:spTree>
+      <p:nvGrpSpPr>
+        <p:cNvPr id="1" name=""/>
+        <p:cNvGrpSpPr/>
+        <p:nvPr/>
+      </p:nvGrpSpPr>
+      <p:grpSpPr>
+        <a:xfrm>
+          <a:off x="0" y="0"/>
+          <a:ext cx="0" cy="0"/>
+          <a:chOff x="0" y="0"/>
+          <a:chExt cx="0" cy="0"/>
+        </a:xfrm>
+      </p:grpSpPr>
+      <p:sp>
+        <p:nvSpPr>
+          <p:cNvPr id="2" name="Title 1"/>
+          <p:cNvSpPr>
+            <a:spLocks noGrp="1"/>
+          </p:cNvSpPr>
+          <p:nvPr>
+            <p:ph type="title"/>
+          </p:nvPr>
+        </p:nvSpPr>
+        <p:spPr/>
+        <p:txBody>
+          <a:bodyPr/>
+          <a:lstStyle/>
+          <a:p>
+            <a:r>
+              <a:rPr lang="en-US" dirty="0" smtClean="0"/>
+              <a:t>Learn More</a:t>
+            </a:r>
+            <a:endParaRPr lang="en-US" dirty="0"/>
+          </a:p>
+        </p:txBody>
+      </p:sp>
+      <p:sp>
+        <p:nvSpPr>
+          <p:cNvPr id="3" name="Content Placeholder 2"/>
+          <p:cNvSpPr>
+            <a:spLocks noGrp="1"/>
+          </p:cNvSpPr>
+          <p:nvPr>
+            <p:ph idx="1"/>
+          </p:nvPr>
+        </p:nvSpPr>
+        <p:spPr/>
+        <p:txBody>
+          <a:bodyPr/>
+          <a:lstStyle/>
+          <a:p>
+            <a:r>
+              <a:rPr lang="en-US" sz="2400" dirty="0"/>
+              <a:t>R Cookbook </a:t>
+            </a:r>
+            <a:r>
+              <a:rPr lang="en-US" sz="2400" dirty="0" smtClean="0"/>
+              <a:t>- Many helpful examples and topics. The “Graphs” section helps tremendously with ggplot2 </a:t>
+            </a:r>
+            <a:r>
+              <a:rPr lang="en-US" sz="1600" dirty="0">
+                <a:hlinkClick r:id="rId2"/>
+              </a:rPr>
+              <a:t>http://www.cookbook-r.com</a:t>
+            </a:r>
+            <a:r>
+              <a:rPr lang="en-US" sz="1600" dirty="0" smtClean="0">
+                <a:hlinkClick r:id="rId2"/>
+              </a:rPr>
+              <a:t>/</a:t>
+            </a:r>
+            <a:endParaRPr lang="en-US" sz="1600" dirty="0" smtClean="0"/>
+          </a:p>
+          <a:p>
+            <a:r>
+              <a:rPr lang="en-US" sz="2400" dirty="0"/>
+              <a:t>Concise Guide to R </a:t>
+            </a:r>
+            <a:r>
+              <a:rPr lang="en-US" sz="2400" dirty="0" smtClean="0"/>
+              <a:t>– Covers all major R functionality </a:t>
+            </a:r>
+            <a:r>
+              <a:rPr lang="en-US" sz="1600" dirty="0">
+                <a:hlinkClick r:id="rId3"/>
+              </a:rPr>
+              <a:t>http://www.cis.upenn.edu/~</a:t>
+            </a:r>
+            <a:r>
+              <a:rPr lang="en-US" sz="1600" dirty="0" smtClean="0">
+                <a:hlinkClick r:id="rId3"/>
+              </a:rPr>
+              <a:t>matuszek/Concise%20Guides/Concise%20R.html</a:t>
+            </a:r>
+            <a:endParaRPr lang="en-US" sz="1200" dirty="0" smtClean="0"/>
+          </a:p>
+          <a:p>
+            <a:r>
+              <a:rPr lang="en-US" sz="2400" dirty="0"/>
+              <a:t>Stack Overflow </a:t>
+            </a:r>
+            <a:r>
+              <a:rPr lang="en-US" sz="2400" dirty="0" smtClean="0"/>
+              <a:t>– The best help is available when you post a question here. </a:t>
+            </a:r>
+            <a:r>
+              <a:rPr lang="en-US" sz="1600" dirty="0">
+                <a:hlinkClick r:id="rId4"/>
+              </a:rPr>
+              <a:t>http://</a:t>
+            </a:r>
+            <a:r>
+              <a:rPr lang="en-US" sz="1600" dirty="0" smtClean="0">
+                <a:hlinkClick r:id="rId4"/>
+              </a:rPr>
+              <a:t>stackoverflow.com/questions/tagged/r</a:t>
+            </a:r>
+            <a:endParaRPr lang="en-US" sz="1600" dirty="0" smtClean="0"/>
+          </a:p>
+          <a:p>
+            <a:r>
+              <a:rPr lang="en-US" sz="2400" dirty="0" smtClean="0"/>
+              <a:t>Cross Validated – For statistics </a:t>
+            </a:r>
+            <a:r>
+              <a:rPr lang="en-US" sz="2400" dirty="0"/>
+              <a:t>and modeling help. </a:t>
+            </a:r>
+            <a:r>
+              <a:rPr lang="en-US" sz="1600" dirty="0">
+                <a:hlinkClick r:id="rId5"/>
+              </a:rPr>
+              <a:t>http://stats.stackexchange.com</a:t>
+            </a:r>
+            <a:r>
+              <a:rPr lang="en-US" sz="1600" dirty="0" smtClean="0">
+                <a:hlinkClick r:id="rId5"/>
+              </a:rPr>
+              <a:t>/</a:t>
+            </a:r>
+            <a:endParaRPr lang="en-US" sz="1600" dirty="0" smtClean="0"/>
+          </a:p>
+          <a:p>
+            <a:r>
+              <a:rPr lang="en-US" sz="2000" dirty="0" smtClean="0"/>
+              <a:t>Introduction </a:t>
+            </a:r>
+            <a:r>
+              <a:rPr lang="en-US" sz="2000" dirty="0"/>
+              <a:t>to Statistical Learning – </a:t>
+            </a:r>
+            <a:r>
+              <a:rPr lang="en-US" sz="2000" dirty="0" smtClean="0"/>
+              <a:t>The BEST way to learn statistics and machine learning. And it’s free!</a:t>
+            </a:r>
+          </a:p>
+          <a:p>
+            <a:pPr lvl="1"/>
+            <a:r>
+              <a:rPr lang="en-US" sz="1200" dirty="0" smtClean="0"/>
+              <a:t>Book</a:t>
+            </a:r>
+            <a:r>
+              <a:rPr lang="en-US" sz="1200" dirty="0"/>
+              <a:t>: </a:t>
+            </a:r>
+            <a:r>
+              <a:rPr lang="en-US" sz="1200" dirty="0">
+                <a:hlinkClick r:id="rId6"/>
+              </a:rPr>
+              <a:t>http://www-bcf.usc.edu/~gareth/ISL</a:t>
+            </a:r>
+            <a:r>
+              <a:rPr lang="en-US" sz="1200" dirty="0" smtClean="0">
+                <a:hlinkClick r:id="rId6"/>
+              </a:rPr>
+              <a:t>/</a:t>
+            </a:r>
+            <a:endParaRPr lang="en-US" sz="1200" dirty="0" smtClean="0"/>
+          </a:p>
+          <a:p>
+            <a:pPr lvl="1"/>
+            <a:r>
+              <a:rPr lang="en-US" sz="1200" dirty="0"/>
+              <a:t>Video Lectures: </a:t>
+            </a:r>
+            <a:r>
+              <a:rPr lang="en-US" sz="1200" dirty="0">
+                <a:hlinkClick r:id="rId7"/>
+              </a:rPr>
+              <a:t>http://www.r-bloggers.com/in-depth-introduction-to-machine-learning-in-15-hours-of-expert-videos</a:t>
+            </a:r>
+            <a:r>
+              <a:rPr lang="en-US" sz="1200" dirty="0" smtClean="0">
+                <a:hlinkClick r:id="rId7"/>
+              </a:rPr>
+              <a:t>/</a:t>
+            </a:r>
+            <a:endParaRPr lang="en-US" sz="1200" dirty="0"/>
+          </a:p>
+          <a:p>
+            <a:pPr marL="457200" lvl="1" indent="0">
+              <a:buNone/>
+            </a:pPr>
+            <a:endParaRPr lang="en-US" sz="1200" dirty="0" smtClean="0"/>
+          </a:p>
+          <a:p>
+            <a:pPr marL="0" indent="0">
+              <a:buNone/>
+            </a:pPr>
+            <a:r>
+              <a:rPr lang="en-US" sz="1600" dirty="0"/>
+              <a:t> </a:t>
+            </a:r>
+            <a:r>
+              <a:rPr lang="en-US" sz="1600" dirty="0" smtClean="0"/>
+              <a:t>     </a:t>
+            </a:r>
+          </a:p>
+          <a:p>
+            <a:endParaRPr lang="en-US" sz="2400" dirty="0"/>
+          </a:p>
+          <a:p>
+            <a:endParaRPr lang="en-US" dirty="0"/>
+          </a:p>
+        </p:txBody>
+      </p:sp>
+    </p:spTree>
+    <p:extLst>
+      <p:ext uri="{BB962C8B-B14F-4D97-AF65-F5344CB8AC3E}">
+        <p14:creationId xmlns:p14="http://schemas.microsoft.com/office/powerpoint/2010/main" val="3749757077"/>
+      </p:ext>
+    </p:extLst>
+  </p:cSld>
+  <p:clrMapOvr>
+    <a:masterClrMapping/>
+  </p:clrMapOvr>
+</p:sld>
+</file>
+
+<file path=ppt/slides/slide2.xml><?xml version="1.0" encoding="utf-8"?>
+<p:sld xmlns:a="http://schemas.openxmlformats.org/drawingml/2006/main" xmlns:r="http://schemas.openxmlformats.org/officeDocument/2006/relationships" xmlns:p="http://schemas.openxmlformats.org/presentationml/2006/main">
+  <p:cSld>
+    <p:spTree>
+      <p:nvGrpSpPr>
+        <p:cNvPr id="1" name=""/>
+        <p:cNvGrpSpPr/>
+        <p:nvPr/>
+      </p:nvGrpSpPr>
+      <p:grpSpPr>
+        <a:xfrm>
+          <a:off x="0" y="0"/>
+          <a:ext cx="0" cy="0"/>
+          <a:chOff x="0" y="0"/>
+          <a:chExt cx="0" cy="0"/>
+        </a:xfrm>
+      </p:grpSpPr>
+      <p:sp>
+        <p:nvSpPr>
+          <p:cNvPr id="2" name="Title 1"/>
+          <p:cNvSpPr>
+            <a:spLocks noGrp="1"/>
+          </p:cNvSpPr>
+          <p:nvPr>
+            <p:ph type="title"/>
+          </p:nvPr>
+        </p:nvSpPr>
+        <p:spPr/>
+        <p:txBody>
+          <a:bodyPr/>
+          <a:lstStyle/>
+          <a:p>
+            <a:r>
+              <a:rPr lang="en-US" dirty="0" smtClean="0"/>
+              <a:t>Agenda</a:t>
+            </a:r>
+            <a:endParaRPr lang="en-US" dirty="0"/>
+          </a:p>
+        </p:txBody>
+      </p:sp>
+      <p:sp>
+        <p:nvSpPr>
+          <p:cNvPr id="3" name="Content Placeholder 2"/>
+          <p:cNvSpPr>
+            <a:spLocks noGrp="1"/>
+          </p:cNvSpPr>
+          <p:nvPr>
+            <p:ph idx="1"/>
+          </p:nvPr>
+        </p:nvSpPr>
+        <p:spPr/>
+        <p:txBody>
+          <a:bodyPr/>
+          <a:lstStyle/>
+          <a:p>
+            <a:r>
+              <a:rPr lang="en-US" dirty="0" smtClean="0"/>
+              <a:t>R Introduction</a:t>
+            </a:r>
+          </a:p>
+          <a:p>
+            <a:r>
+              <a:rPr lang="en-US" dirty="0" smtClean="0"/>
+              <a:t>Common Use cases</a:t>
+            </a:r>
+          </a:p>
+          <a:p>
+            <a:r>
+              <a:rPr lang="en-US" dirty="0" smtClean="0"/>
+              <a:t>Problem Statement</a:t>
+            </a:r>
+          </a:p>
+          <a:p>
+            <a:r>
+              <a:rPr lang="en-US" dirty="0" smtClean="0"/>
+              <a:t>Live Coding </a:t>
+            </a:r>
+          </a:p>
+          <a:p>
+            <a:r>
+              <a:rPr lang="en-US" dirty="0" smtClean="0"/>
+              <a:t>Participant Challenges</a:t>
+            </a:r>
+            <a:endParaRPr lang="en-US" dirty="0"/>
+          </a:p>
+        </p:txBody>
+      </p:sp>
+    </p:spTree>
+    <p:extLst>
+      <p:ext uri="{BB962C8B-B14F-4D97-AF65-F5344CB8AC3E}">
+        <p14:creationId xmlns:p14="http://schemas.microsoft.com/office/powerpoint/2010/main" val="3002537546"/>
+      </p:ext>
+    </p:extLst>
+  </p:cSld>
+  <p:clrMapOvr>
+    <a:masterClrMapping/>
+  </p:clrMapOvr>
+</p:sld>
+</file>
+
+<file path=ppt/slides/slide3.xml><?xml version="1.0" encoding="utf-8"?>
+<p:sld xmlns:a="http://schemas.openxmlformats.org/drawingml/2006/main" xmlns:r="http://schemas.openxmlformats.org/officeDocument/2006/relationships" xmlns:p="http://schemas.openxmlformats.org/presentationml/2006/main">
+  <p:cSld>
+    <p:spTree>
+      <p:nvGrpSpPr>
+        <p:cNvPr id="1" name=""/>
+        <p:cNvGrpSpPr/>
+        <p:nvPr/>
+      </p:nvGrpSpPr>
+      <p:grpSpPr>
+        <a:xfrm>
+          <a:off x="0" y="0"/>
+          <a:ext cx="0" cy="0"/>
+          <a:chOff x="0" y="0"/>
+          <a:chExt cx="0" cy="0"/>
+        </a:xfrm>
+      </p:grpSpPr>
+      <p:sp>
+        <p:nvSpPr>
+          <p:cNvPr id="2" name="Title 1"/>
+          <p:cNvSpPr>
+            <a:spLocks noGrp="1"/>
+          </p:cNvSpPr>
+          <p:nvPr>
+            <p:ph type="title"/>
+          </p:nvPr>
+        </p:nvSpPr>
+        <p:spPr/>
+        <p:txBody>
+          <a:bodyPr/>
+          <a:lstStyle/>
+          <a:p>
+            <a:r>
+              <a:rPr lang="en-US" dirty="0" smtClean="0"/>
+              <a:t>R Quick Launch</a:t>
+            </a:r>
+            <a:endParaRPr lang="en-US" dirty="0"/>
+          </a:p>
+        </p:txBody>
+      </p:sp>
+      <p:sp>
+        <p:nvSpPr>
+          <p:cNvPr id="3" name="Content Placeholder 2"/>
+          <p:cNvSpPr>
+            <a:spLocks noGrp="1"/>
+          </p:cNvSpPr>
+          <p:nvPr>
+            <p:ph idx="1"/>
+          </p:nvPr>
+        </p:nvSpPr>
+        <p:spPr/>
+        <p:txBody>
+          <a:bodyPr/>
+          <a:lstStyle/>
+          <a:p>
+            <a:r>
+              <a:rPr lang="en-US" dirty="0" smtClean="0"/>
+              <a:t>Statistical software environment</a:t>
+            </a:r>
+          </a:p>
+          <a:p>
+            <a:r>
+              <a:rPr lang="en-US" dirty="0" smtClean="0"/>
+              <a:t>Built on S programming language</a:t>
+            </a:r>
+          </a:p>
+          <a:p>
+            <a:r>
+              <a:rPr lang="en-US" dirty="0" smtClean="0"/>
+              <a:t>Named R after originators Robert Gentleman and Ross Ihaka</a:t>
+            </a:r>
+          </a:p>
+          <a:p>
+            <a:r>
+              <a:rPr lang="en-US" dirty="0" smtClean="0"/>
+              <a:t>Created in 1993</a:t>
+            </a:r>
+          </a:p>
+          <a:p>
+            <a:r>
+              <a:rPr lang="en-US" dirty="0" smtClean="0"/>
+              <a:t>Open-source under General Public License</a:t>
+            </a:r>
+          </a:p>
+          <a:p>
+            <a:r>
+              <a:rPr lang="en-US" dirty="0" smtClean="0"/>
+              <a:t>Source-code written in C, Fortran, and R</a:t>
+            </a:r>
+          </a:p>
+          <a:p>
+            <a:r>
+              <a:rPr lang="en-US" dirty="0" smtClean="0"/>
+              <a:t>Over 6,000 packages added by contributors</a:t>
+            </a:r>
+            <a:endParaRPr lang="en-US" dirty="0"/>
+          </a:p>
+        </p:txBody>
+      </p:sp>
+    </p:spTree>
+    <p:extLst>
+      <p:ext uri="{BB962C8B-B14F-4D97-AF65-F5344CB8AC3E}">
+        <p14:creationId xmlns:p14="http://schemas.microsoft.com/office/powerpoint/2010/main" val="1936911784"/>
+      </p:ext>
+    </p:extLst>
+  </p:cSld>
+  <p:clrMapOvr>
+    <a:masterClrMapping/>
+  </p:clrMapOvr>
+</p:sld>
+</file>
+
+<file path=ppt/slides/slide4.xml><?xml version="1.0" encoding="utf-8"?>
+<p:sld xmlns:a="http://schemas.openxmlformats.org/drawingml/2006/main" xmlns:r="http://schemas.openxmlformats.org/officeDocument/2006/relationships" xmlns:p="http://schemas.openxmlformats.org/presentationml/2006/main">
+  <p:cSld>
+    <p:spTree>
+      <p:nvGrpSpPr>
+        <p:cNvPr id="1" name=""/>
+        <p:cNvGrpSpPr/>
+        <p:nvPr/>
+      </p:nvGrpSpPr>
+      <p:grpSpPr>
+        <a:xfrm>
+          <a:off x="0" y="0"/>
+          <a:ext cx="0" cy="0"/>
+          <a:chOff x="0" y="0"/>
+          <a:chExt cx="0" cy="0"/>
+        </a:xfrm>
+      </p:grpSpPr>
+      <p:pic>
+        <p:nvPicPr>
+          <p:cNvPr id="4" name="Picture 3"/>
+          <p:cNvPicPr>
+            <a:picLocks noChangeAspect="1"/>
+          </p:cNvPicPr>
+          <p:nvPr/>
+        </p:nvPicPr>
+        <p:blipFill>
+          <a:blip r:embed="rId2">
+            <a:extLst>
+              <a:ext uri="{28A0092B-C50C-407E-A947-70E740481C1C}">
+                <a14:useLocalDpi xmlns:a14="http://schemas.microsoft.com/office/drawing/2010/main" val="0"/>
+              </a:ext>
+            </a:extLst>
+          </a:blip>
+          <a:stretch>
+            <a:fillRect/>
+          </a:stretch>
+        </p:blipFill>
+        <p:spPr>
+          <a:xfrm>
+            <a:off x="5882368" y="211950"/>
+            <a:ext cx="4393747" cy="2469478"/>
+          </a:xfrm>
+          <a:prstGeom prst="rect">
+            <a:avLst/>
+          </a:prstGeom>
+        </p:spPr>
+      </p:pic>
+      <p:pic>
+        <p:nvPicPr>
+          <p:cNvPr id="5" name="Picture 4"/>
+          <p:cNvPicPr>
+            <a:picLocks noChangeAspect="1"/>
+          </p:cNvPicPr>
+          <p:nvPr/>
+        </p:nvPicPr>
+        <p:blipFill>
+          <a:blip r:embed="rId3">
+            <a:extLst>
+              <a:ext uri="{28A0092B-C50C-407E-A947-70E740481C1C}">
+                <a14:useLocalDpi xmlns:a14="http://schemas.microsoft.com/office/drawing/2010/main" val="0"/>
+              </a:ext>
+            </a:extLst>
+          </a:blip>
+          <a:stretch>
+            <a:fillRect/>
+          </a:stretch>
+        </p:blipFill>
+        <p:spPr>
+          <a:xfrm>
+            <a:off x="574562" y="3079452"/>
+            <a:ext cx="4720609" cy="3544156"/>
+          </a:xfrm>
+          <a:prstGeom prst="rect">
+            <a:avLst/>
+          </a:prstGeom>
+        </p:spPr>
+      </p:pic>
+      <p:pic>
+        <p:nvPicPr>
+          <p:cNvPr id="7" name="Picture 6"/>
+          <p:cNvPicPr>
+            <a:picLocks noChangeAspect="1"/>
+          </p:cNvPicPr>
+          <p:nvPr/>
+        </p:nvPicPr>
+        <p:blipFill>
+          <a:blip r:embed="rId4" cstate="print">
+            <a:extLst>
+              <a:ext uri="{28A0092B-C50C-407E-A947-70E740481C1C}">
+                <a14:useLocalDpi xmlns:a14="http://schemas.microsoft.com/office/drawing/2010/main" val="0"/>
+              </a:ext>
+            </a:extLst>
+          </a:blip>
+          <a:stretch>
+            <a:fillRect/>
+          </a:stretch>
+        </p:blipFill>
+        <p:spPr>
+          <a:xfrm>
+            <a:off x="1045575" y="132303"/>
+            <a:ext cx="3778582" cy="2833937"/>
+          </a:xfrm>
+          <a:prstGeom prst="rect">
+            <a:avLst/>
+          </a:prstGeom>
+        </p:spPr>
+      </p:pic>
+      <p:pic>
+        <p:nvPicPr>
+          <p:cNvPr id="8" name="Picture 7"/>
+          <p:cNvPicPr>
+            <a:picLocks noChangeAspect="1"/>
+          </p:cNvPicPr>
+          <p:nvPr/>
+        </p:nvPicPr>
+        <p:blipFill>
+          <a:blip r:embed="rId5">
+            <a:extLst>
+              <a:ext uri="{28A0092B-C50C-407E-A947-70E740481C1C}">
+                <a14:useLocalDpi xmlns:a14="http://schemas.microsoft.com/office/drawing/2010/main" val="0"/>
+              </a:ext>
+            </a:extLst>
+          </a:blip>
+          <a:stretch>
+            <a:fillRect/>
+          </a:stretch>
+        </p:blipFill>
+        <p:spPr>
+          <a:xfrm>
+            <a:off x="5957383" y="2966240"/>
+            <a:ext cx="5221877" cy="3481251"/>
+          </a:xfrm>
+          <a:prstGeom prst="rect">
+            <a:avLst/>
+          </a:prstGeom>
+        </p:spPr>
+      </p:pic>
+    </p:spTree>
+    <p:extLst>
+      <p:ext uri="{BB962C8B-B14F-4D97-AF65-F5344CB8AC3E}">
+        <p14:creationId xmlns:p14="http://schemas.microsoft.com/office/powerpoint/2010/main" val="514695774"/>
+      </p:ext>
+    </p:extLst>
+  </p:cSld>
+  <p:clrMapOvr>
+    <a:masterClrMapping/>
+  </p:clrMapOvr>
+</p:sld>
+</file>
+
+<file path=ppt/slides/slide5.xml><?xml version="1.0" encoding="utf-8"?>
+<p:sld xmlns:a="http://schemas.openxmlformats.org/drawingml/2006/main" xmlns:r="http://schemas.openxmlformats.org/officeDocument/2006/relationships" xmlns:p="http://schemas.openxmlformats.org/presentationml/2006/main">
+  <p:cSld>
+    <p:spTree>
+      <p:nvGrpSpPr>
+        <p:cNvPr id="1" name=""/>
+        <p:cNvGrpSpPr/>
+        <p:nvPr/>
+      </p:nvGrpSpPr>
+      <p:grpSpPr>
+        <a:xfrm>
+          <a:off x="0" y="0"/>
+          <a:ext cx="0" cy="0"/>
+          <a:chOff x="0" y="0"/>
+          <a:chExt cx="0" cy="0"/>
+        </a:xfrm>
+      </p:grpSpPr>
+      <p:pic>
+        <p:nvPicPr>
+          <p:cNvPr id="4" name="Picture 3"/>
+          <p:cNvPicPr>
+            <a:picLocks noChangeAspect="1"/>
+          </p:cNvPicPr>
+          <p:nvPr/>
+        </p:nvPicPr>
+        <p:blipFill>
+          <a:blip r:embed="rId2">
+            <a:extLst>
+              <a:ext uri="{28A0092B-C50C-407E-A947-70E740481C1C}">
+                <a14:useLocalDpi xmlns:a14="http://schemas.microsoft.com/office/drawing/2010/main" val="0"/>
+              </a:ext>
+            </a:extLst>
+          </a:blip>
+          <a:stretch>
+            <a:fillRect/>
+          </a:stretch>
+        </p:blipFill>
+        <p:spPr>
+          <a:xfrm>
+            <a:off x="6301196" y="3428999"/>
+            <a:ext cx="4762500" cy="2943225"/>
+          </a:xfrm>
+          <a:prstGeom prst="rect">
+            <a:avLst/>
+          </a:prstGeom>
+        </p:spPr>
+      </p:pic>
+      <p:pic>
+        <p:nvPicPr>
+          <p:cNvPr id="5" name="Picture 4"/>
+          <p:cNvPicPr>
+            <a:picLocks noChangeAspect="1"/>
+          </p:cNvPicPr>
+          <p:nvPr/>
+        </p:nvPicPr>
+        <p:blipFill>
+          <a:blip r:embed="rId3">
+            <a:extLst>
+              <a:ext uri="{28A0092B-C50C-407E-A947-70E740481C1C}">
+                <a14:useLocalDpi xmlns:a14="http://schemas.microsoft.com/office/drawing/2010/main" val="0"/>
+              </a:ext>
+            </a:extLst>
+          </a:blip>
+          <a:stretch>
+            <a:fillRect/>
+          </a:stretch>
+        </p:blipFill>
+        <p:spPr>
+          <a:xfrm>
+            <a:off x="915077" y="3553096"/>
+            <a:ext cx="3752717" cy="3200060"/>
+          </a:xfrm>
+          <a:prstGeom prst="rect">
+            <a:avLst/>
+          </a:prstGeom>
+        </p:spPr>
+      </p:pic>
+      <p:pic>
+        <p:nvPicPr>
+          <p:cNvPr id="6" name="Picture 5"/>
+          <p:cNvPicPr>
+            <a:picLocks noChangeAspect="1"/>
+          </p:cNvPicPr>
+          <p:nvPr/>
+        </p:nvPicPr>
+        <p:blipFill>
+          <a:blip r:embed="rId4">
+            <a:extLst>
+              <a:ext uri="{28A0092B-C50C-407E-A947-70E740481C1C}">
+                <a14:useLocalDpi xmlns:a14="http://schemas.microsoft.com/office/drawing/2010/main" val="0"/>
+              </a:ext>
+            </a:extLst>
+          </a:blip>
+          <a:stretch>
+            <a:fillRect/>
+          </a:stretch>
+        </p:blipFill>
+        <p:spPr>
+          <a:xfrm>
+            <a:off x="6756861" y="478848"/>
+            <a:ext cx="3508616" cy="2950152"/>
+          </a:xfrm>
+          <a:prstGeom prst="rect">
+            <a:avLst/>
+          </a:prstGeom>
+        </p:spPr>
+      </p:pic>
+      <p:pic>
+        <p:nvPicPr>
+          <p:cNvPr id="7" name="Picture 6"/>
+          <p:cNvPicPr>
+            <a:picLocks noChangeAspect="1"/>
+          </p:cNvPicPr>
+          <p:nvPr/>
+        </p:nvPicPr>
+        <p:blipFill>
+          <a:blip r:embed="rId5">
+            <a:extLst>
+              <a:ext uri="{28A0092B-C50C-407E-A947-70E740481C1C}">
+                <a14:useLocalDpi xmlns:a14="http://schemas.microsoft.com/office/drawing/2010/main" val="0"/>
+              </a:ext>
+            </a:extLst>
+          </a:blip>
+          <a:stretch>
+            <a:fillRect/>
+          </a:stretch>
+        </p:blipFill>
+        <p:spPr>
+          <a:xfrm>
+            <a:off x="666625" y="182274"/>
+            <a:ext cx="4001169" cy="3153464"/>
+          </a:xfrm>
+          <a:prstGeom prst="rect">
+            <a:avLst/>
+          </a:prstGeom>
+        </p:spPr>
+      </p:pic>
+    </p:spTree>
+    <p:extLst>
+      <p:ext uri="{BB962C8B-B14F-4D97-AF65-F5344CB8AC3E}">
+        <p14:creationId xmlns:p14="http://schemas.microsoft.com/office/powerpoint/2010/main" val="1082522300"/>
+      </p:ext>
+    </p:extLst>
+  </p:cSld>
+  <p:clrMapOvr>
+    <a:masterClrMapping/>
+  </p:clrMapOvr>
+</p:sld>
+</file>
+
+<file path=ppt/slides/slide6.xml><?xml version="1.0" encoding="utf-8"?>
+<p:sld xmlns:a="http://schemas.openxmlformats.org/drawingml/2006/main" xmlns:r="http://schemas.openxmlformats.org/officeDocument/2006/relationships" xmlns:p="http://schemas.openxmlformats.org/presentationml/2006/main">
+  <p:cSld>
+    <p:spTree>
+      <p:nvGrpSpPr>
+        <p:cNvPr id="1" name=""/>
+        <p:cNvGrpSpPr/>
+        <p:nvPr/>
+      </p:nvGrpSpPr>
+      <p:grpSpPr>
+        <a:xfrm>
+          <a:off x="0" y="0"/>
+          <a:ext cx="0" cy="0"/>
+          <a:chOff x="0" y="0"/>
+          <a:chExt cx="0" cy="0"/>
+        </a:xfrm>
+      </p:grpSpPr>
+      <p:pic>
+        <p:nvPicPr>
+          <p:cNvPr id="4" name="Picture 3"/>
+          <p:cNvPicPr>
+            <a:picLocks noChangeAspect="1"/>
+          </p:cNvPicPr>
+          <p:nvPr/>
+        </p:nvPicPr>
+        <p:blipFill>
+          <a:blip r:embed="rId2">
+            <a:extLst>
+              <a:ext uri="{28A0092B-C50C-407E-A947-70E740481C1C}">
+                <a14:useLocalDpi xmlns:a14="http://schemas.microsoft.com/office/drawing/2010/main" val="0"/>
+              </a:ext>
+            </a:extLst>
+          </a:blip>
+          <a:stretch>
+            <a:fillRect/>
+          </a:stretch>
+        </p:blipFill>
+        <p:spPr>
+          <a:xfrm>
+            <a:off x="6897189" y="181877"/>
+            <a:ext cx="4961182" cy="3979223"/>
+          </a:xfrm>
+          <a:prstGeom prst="rect">
+            <a:avLst/>
+          </a:prstGeom>
+        </p:spPr>
+      </p:pic>
+      <p:pic>
+        <p:nvPicPr>
+          <p:cNvPr id="5" name="Picture 4"/>
+          <p:cNvPicPr>
+            <a:picLocks noChangeAspect="1"/>
+          </p:cNvPicPr>
+          <p:nvPr/>
+        </p:nvPicPr>
+        <p:blipFill>
+          <a:blip r:embed="rId3">
+            <a:extLst>
+              <a:ext uri="{28A0092B-C50C-407E-A947-70E740481C1C}">
+                <a14:useLocalDpi xmlns:a14="http://schemas.microsoft.com/office/drawing/2010/main" val="0"/>
+              </a:ext>
+            </a:extLst>
+          </a:blip>
+          <a:stretch>
+            <a:fillRect/>
+          </a:stretch>
+        </p:blipFill>
+        <p:spPr>
+          <a:xfrm>
+            <a:off x="7121896" y="4254315"/>
+            <a:ext cx="2953922" cy="2226270"/>
+          </a:xfrm>
+          <a:prstGeom prst="rect">
+            <a:avLst/>
+          </a:prstGeom>
+        </p:spPr>
+      </p:pic>
+      <p:pic>
+        <p:nvPicPr>
+          <p:cNvPr id="6" name="Picture 5"/>
+          <p:cNvPicPr>
+            <a:picLocks noChangeAspect="1"/>
+          </p:cNvPicPr>
+          <p:nvPr/>
+        </p:nvPicPr>
+        <p:blipFill>
+          <a:blip r:embed="rId4">
+            <a:extLst>
+              <a:ext uri="{28A0092B-C50C-407E-A947-70E740481C1C}">
+                <a14:useLocalDpi xmlns:a14="http://schemas.microsoft.com/office/drawing/2010/main" val="0"/>
+              </a:ext>
+            </a:extLst>
+          </a:blip>
+          <a:stretch>
+            <a:fillRect/>
+          </a:stretch>
+        </p:blipFill>
+        <p:spPr>
+          <a:xfrm>
+            <a:off x="2019352" y="3497143"/>
+            <a:ext cx="3016574" cy="3016574"/>
+          </a:xfrm>
+          <a:prstGeom prst="rect">
+            <a:avLst/>
+          </a:prstGeom>
+        </p:spPr>
+      </p:pic>
+      <p:pic>
+        <p:nvPicPr>
+          <p:cNvPr id="7" name="Picture 6"/>
+          <p:cNvPicPr>
+            <a:picLocks noChangeAspect="1"/>
+          </p:cNvPicPr>
+          <p:nvPr/>
+        </p:nvPicPr>
+        <p:blipFill>
+          <a:blip r:embed="rId5">
+            <a:extLst>
+              <a:ext uri="{28A0092B-C50C-407E-A947-70E740481C1C}">
+                <a14:useLocalDpi xmlns:a14="http://schemas.microsoft.com/office/drawing/2010/main" val="0"/>
+              </a:ext>
+            </a:extLst>
+          </a:blip>
+          <a:stretch>
+            <a:fillRect/>
+          </a:stretch>
+        </p:blipFill>
+        <p:spPr>
+          <a:xfrm>
+            <a:off x="382139" y="181877"/>
+            <a:ext cx="6025985" cy="3005460"/>
+          </a:xfrm>
+          <a:prstGeom prst="rect">
+            <a:avLst/>
+          </a:prstGeom>
+        </p:spPr>
+      </p:pic>
+    </p:spTree>
+    <p:extLst>
+      <p:ext uri="{BB962C8B-B14F-4D97-AF65-F5344CB8AC3E}">
+        <p14:creationId xmlns:p14="http://schemas.microsoft.com/office/powerpoint/2010/main" val="3940471963"/>
+      </p:ext>
+    </p:extLst>
+  </p:cSld>
+  <p:clrMapOvr>
+    <a:masterClrMapping/>
+  </p:clrMapOvr>
+</p:sld>
+</file>
+
 <file path=ppt/slides/slide7.xml><?xml version="1.0" encoding="utf-8"?>
 <p:sld xmlns:a="http://schemas.openxmlformats.org/drawingml/2006/main" xmlns:r="http://schemas.openxmlformats.org/officeDocument/2006/relationships" xmlns:p="http://schemas.openxmlformats.org/presentationml/2006/main">
   <p:cSld>
@@ -9170,207 +10421,436 @@
           <a:p>
             <a:r>
               <a:rPr lang="en-US" dirty="0" smtClean="0"/>
-              <a:t>Learn More</a:t>
+              <a:t>Parallel Processing</a:t>
             </a:r>
             <a:endParaRPr lang="en-US" dirty="0"/>
           </a:p>
         </p:txBody>
       </p:sp>
-      <p:sp>
-        <p:nvSpPr>
-          <p:cNvPr id="3" name="Content Placeholder 2"/>
-          <p:cNvSpPr>
-            <a:spLocks noGrp="1"/>
-          </p:cNvSpPr>
-          <p:nvPr>
-            <p:ph idx="1"/>
-          </p:nvPr>
-        </p:nvSpPr>
-        <p:spPr/>
-        <p:txBody>
-          <a:bodyPr/>
-          <a:lstStyle/>
-          <a:p>
-            <a:r>
-              <a:rPr lang="en-US" sz="2400" dirty="0"/>
-              <a:t>R Cookbook </a:t>
-            </a:r>
-            <a:r>
-              <a:rPr lang="en-US" sz="2400" dirty="0" smtClean="0"/>
-              <a:t>- Many helpful examples and topics. The “Graphs” section helps tremendously with ggplot2 </a:t>
-            </a:r>
-            <a:r>
-              <a:rPr lang="en-US" sz="1600" dirty="0">
-                <a:hlinkClick r:id="rId2"/>
-              </a:rPr>
-              <a:t>http://www.cookbook-r.com</a:t>
-            </a:r>
-            <a:r>
-              <a:rPr lang="en-US" sz="1600" dirty="0" smtClean="0">
-                <a:hlinkClick r:id="rId2"/>
-              </a:rPr>
-              <a:t>/</a:t>
-            </a:r>
-            <a:endParaRPr lang="en-US" sz="1600" dirty="0" smtClean="0"/>
-          </a:p>
-          <a:p>
-            <a:r>
-              <a:rPr lang="en-US" sz="2400" dirty="0"/>
-              <a:t>Concise Guide to R </a:t>
-            </a:r>
-            <a:r>
-              <a:rPr lang="en-US" sz="2400" dirty="0" smtClean="0"/>
-              <a:t>– Covers all major R functionality </a:t>
-            </a:r>
-            <a:r>
-              <a:rPr lang="en-US" sz="1600" dirty="0">
-                <a:hlinkClick r:id="rId3"/>
-              </a:rPr>
-              <a:t>http://www.cis.upenn.edu/~</a:t>
-            </a:r>
-            <a:r>
-              <a:rPr lang="en-US" sz="1600" dirty="0" smtClean="0">
-                <a:hlinkClick r:id="rId3"/>
-              </a:rPr>
-              <a:t>matuszek/Concise%20Guides/Concise%20R.html</a:t>
-            </a:r>
-            <a:endParaRPr lang="en-US" sz="1200" dirty="0" smtClean="0"/>
-          </a:p>
-          <a:p>
-            <a:r>
-              <a:rPr lang="en-US" sz="2400" dirty="0"/>
-              <a:t>Stack Overflow </a:t>
-            </a:r>
-            <a:r>
-              <a:rPr lang="en-US" sz="2400" dirty="0" smtClean="0"/>
-              <a:t>– The best help is available when you post a question here. </a:t>
-            </a:r>
-            <a:r>
-              <a:rPr lang="en-US" sz="1600" dirty="0">
-                <a:hlinkClick r:id="rId4"/>
-              </a:rPr>
-              <a:t>http://</a:t>
-            </a:r>
-            <a:r>
-              <a:rPr lang="en-US" sz="1600" dirty="0" smtClean="0">
-                <a:hlinkClick r:id="rId4"/>
-              </a:rPr>
-              <a:t>stackoverflow.com/questions/tagged/r</a:t>
-            </a:r>
-            <a:endParaRPr lang="en-US" sz="1600" dirty="0" smtClean="0"/>
-          </a:p>
-          <a:p>
-            <a:r>
-              <a:rPr lang="en-US" sz="2400" dirty="0" smtClean="0"/>
-              <a:t>Cross Validated – For statistics </a:t>
-            </a:r>
-            <a:r>
-              <a:rPr lang="en-US" sz="2400" dirty="0"/>
-              <a:t>and modeling help. </a:t>
-            </a:r>
-            <a:r>
-              <a:rPr lang="en-US" sz="1600" dirty="0">
-                <a:hlinkClick r:id="rId5"/>
-              </a:rPr>
-              <a:t>http://stats.stackexchange.com</a:t>
-            </a:r>
-            <a:r>
-              <a:rPr lang="en-US" sz="1600" dirty="0" smtClean="0">
-                <a:hlinkClick r:id="rId5"/>
-              </a:rPr>
-              <a:t>/</a:t>
-            </a:r>
-            <a:endParaRPr lang="en-US" sz="1600" dirty="0" smtClean="0"/>
-          </a:p>
-          <a:p>
-            <a:r>
-              <a:rPr lang="en-US" sz="2000" dirty="0" smtClean="0"/>
-              <a:t>Introduction </a:t>
-            </a:r>
-            <a:r>
-              <a:rPr lang="en-US" sz="2000" dirty="0"/>
-              <a:t>to Statistical Learning – </a:t>
-            </a:r>
-            <a:r>
-              <a:rPr lang="en-US" sz="2000" dirty="0" smtClean="0"/>
-              <a:t>The BEST way to learn statistics and machine learning. And it’s free!</a:t>
-            </a:r>
-          </a:p>
-          <a:p>
-            <a:pPr lvl="1"/>
-            <a:r>
-              <a:rPr lang="en-US" sz="1200" dirty="0" smtClean="0"/>
-              <a:t>Book</a:t>
-            </a:r>
-            <a:r>
-              <a:rPr lang="en-US" sz="1200" dirty="0"/>
-              <a:t>: </a:t>
-            </a:r>
-            <a:r>
-              <a:rPr lang="en-US" sz="1200" dirty="0">
-                <a:hlinkClick r:id="rId6"/>
-              </a:rPr>
-              <a:t>http://www-bcf.usc.edu/~gareth/ISL</a:t>
-            </a:r>
-            <a:r>
-              <a:rPr lang="en-US" sz="1200" dirty="0" smtClean="0">
-                <a:hlinkClick r:id="rId6"/>
-              </a:rPr>
-              <a:t>/</a:t>
-            </a:r>
-            <a:endParaRPr lang="en-US" sz="1200" dirty="0" smtClean="0"/>
-          </a:p>
-          <a:p>
-            <a:pPr lvl="1"/>
-            <a:r>
-              <a:rPr lang="en-US" sz="1200" dirty="0"/>
-              <a:t>Video Lectures: </a:t>
-            </a:r>
-            <a:r>
-              <a:rPr lang="en-US" sz="1200" dirty="0">
-                <a:hlinkClick r:id="rId7"/>
-              </a:rPr>
-              <a:t>http://www.r-bloggers.com/in-depth-introduction-to-machine-learning-in-15-hours-of-expert-videos</a:t>
-            </a:r>
-            <a:r>
-              <a:rPr lang="en-US" sz="1200" dirty="0" smtClean="0">
-                <a:hlinkClick r:id="rId7"/>
-              </a:rPr>
-              <a:t>/</a:t>
-            </a:r>
-            <a:endParaRPr lang="en-US" sz="1200" dirty="0"/>
-          </a:p>
-          <a:p>
-            <a:pPr marL="457200" lvl="1" indent="0">
-              <a:buNone/>
-            </a:pPr>
-            <a:endParaRPr lang="en-US" sz="1200" dirty="0" smtClean="0"/>
-          </a:p>
-          <a:p>
-            <a:pPr marL="0" indent="0">
-              <a:buNone/>
-            </a:pPr>
-            <a:r>
-              <a:rPr lang="en-US" sz="1600" dirty="0"/>
-              <a:t> </a:t>
-            </a:r>
-            <a:r>
-              <a:rPr lang="en-US" sz="1600" dirty="0" smtClean="0"/>
-              <a:t>     </a:t>
-            </a:r>
-          </a:p>
-          <a:p>
-            <a:endParaRPr lang="en-US" sz="2400" dirty="0"/>
-          </a:p>
-          <a:p>
-            <a:endParaRPr lang="en-US" dirty="0"/>
-          </a:p>
-        </p:txBody>
-      </p:sp>
+      <p:pic>
+        <p:nvPicPr>
+          <p:cNvPr id="4" name="Picture 3"/>
+          <p:cNvPicPr>
+            <a:picLocks noChangeAspect="1"/>
+          </p:cNvPicPr>
+          <p:nvPr/>
+        </p:nvPicPr>
+        <p:blipFill>
+          <a:blip r:embed="rId2">
+            <a:extLst>
+              <a:ext uri="{28A0092B-C50C-407E-A947-70E740481C1C}">
+                <a14:useLocalDpi xmlns:a14="http://schemas.microsoft.com/office/drawing/2010/main" val="0"/>
+              </a:ext>
+            </a:extLst>
+          </a:blip>
+          <a:stretch>
+            <a:fillRect/>
+          </a:stretch>
+        </p:blipFill>
+        <p:spPr>
+          <a:xfrm>
+            <a:off x="4008532" y="1690688"/>
+            <a:ext cx="1714500" cy="2247900"/>
+          </a:xfrm>
+          <a:prstGeom prst="rect">
+            <a:avLst/>
+          </a:prstGeom>
+        </p:spPr>
+      </p:pic>
+      <p:pic>
+        <p:nvPicPr>
+          <p:cNvPr id="5" name="Picture 4"/>
+          <p:cNvPicPr>
+            <a:picLocks noChangeAspect="1"/>
+          </p:cNvPicPr>
+          <p:nvPr/>
+        </p:nvPicPr>
+        <p:blipFill>
+          <a:blip r:embed="rId3" cstate="print">
+            <a:extLst>
+              <a:ext uri="{28A0092B-C50C-407E-A947-70E740481C1C}">
+                <a14:useLocalDpi xmlns:a14="http://schemas.microsoft.com/office/drawing/2010/main" val="0"/>
+              </a:ext>
+            </a:extLst>
+          </a:blip>
+          <a:stretch>
+            <a:fillRect/>
+          </a:stretch>
+        </p:blipFill>
+        <p:spPr>
+          <a:xfrm>
+            <a:off x="838200" y="3370217"/>
+            <a:ext cx="2797364" cy="2797364"/>
+          </a:xfrm>
+          <a:prstGeom prst="rect">
+            <a:avLst/>
+          </a:prstGeom>
+        </p:spPr>
+      </p:pic>
+      <p:pic>
+        <p:nvPicPr>
+          <p:cNvPr id="6" name="Picture 5"/>
+          <p:cNvPicPr>
+            <a:picLocks noChangeAspect="1"/>
+          </p:cNvPicPr>
+          <p:nvPr/>
+        </p:nvPicPr>
+        <p:blipFill>
+          <a:blip r:embed="rId4">
+            <a:extLst>
+              <a:ext uri="{28A0092B-C50C-407E-A947-70E740481C1C}">
+                <a14:useLocalDpi xmlns:a14="http://schemas.microsoft.com/office/drawing/2010/main" val="0"/>
+              </a:ext>
+            </a:extLst>
+          </a:blip>
+          <a:stretch>
+            <a:fillRect/>
+          </a:stretch>
+        </p:blipFill>
+        <p:spPr>
+          <a:xfrm>
+            <a:off x="6096000" y="3537682"/>
+            <a:ext cx="4255321" cy="2820305"/>
+          </a:xfrm>
+          <a:prstGeom prst="rect">
+            <a:avLst/>
+          </a:prstGeom>
+        </p:spPr>
+      </p:pic>
+      <p:pic>
+        <p:nvPicPr>
+          <p:cNvPr id="7" name="Picture 6"/>
+          <p:cNvPicPr>
+            <a:picLocks noChangeAspect="1"/>
+          </p:cNvPicPr>
+          <p:nvPr/>
+        </p:nvPicPr>
+        <p:blipFill>
+          <a:blip r:embed="rId5">
+            <a:extLst>
+              <a:ext uri="{28A0092B-C50C-407E-A947-70E740481C1C}">
+                <a14:useLocalDpi xmlns:a14="http://schemas.microsoft.com/office/drawing/2010/main" val="0"/>
+              </a:ext>
+            </a:extLst>
+          </a:blip>
+          <a:stretch>
+            <a:fillRect/>
+          </a:stretch>
+        </p:blipFill>
+        <p:spPr>
+          <a:xfrm>
+            <a:off x="7472555" y="572357"/>
+            <a:ext cx="2841617" cy="2607184"/>
+          </a:xfrm>
+          <a:prstGeom prst="rect">
+            <a:avLst/>
+          </a:prstGeom>
+        </p:spPr>
+      </p:pic>
     </p:spTree>
     <p:extLst>
       <p:ext uri="{BB962C8B-B14F-4D97-AF65-F5344CB8AC3E}">
-        <p14:creationId xmlns:p14="http://schemas.microsoft.com/office/powerpoint/2010/main" val="3749757077"/>
+        <p14:creationId xmlns:p14="http://schemas.microsoft.com/office/powerpoint/2010/main" val="2806699498"/>
+      </p:ext>
+    </p:extLst>
+  </p:cSld>
+  <p:clrMapOvr>
+    <a:masterClrMapping/>
+  </p:clrMapOvr>
+</p:sld>
+</file>
+
+<file path=ppt/slides/slide8.xml><?xml version="1.0" encoding="utf-8"?>
+<p:sld xmlns:a="http://schemas.openxmlformats.org/drawingml/2006/main" xmlns:r="http://schemas.openxmlformats.org/officeDocument/2006/relationships" xmlns:p="http://schemas.openxmlformats.org/presentationml/2006/main">
+  <p:cSld>
+    <p:spTree>
+      <p:nvGrpSpPr>
+        <p:cNvPr id="1" name=""/>
+        <p:cNvGrpSpPr/>
+        <p:nvPr/>
+      </p:nvGrpSpPr>
+      <p:grpSpPr>
+        <a:xfrm>
+          <a:off x="0" y="0"/>
+          <a:ext cx="0" cy="0"/>
+          <a:chOff x="0" y="0"/>
+          <a:chExt cx="0" cy="0"/>
+        </a:xfrm>
+      </p:grpSpPr>
+      <p:pic>
+        <p:nvPicPr>
+          <p:cNvPr id="4" name="Picture 3"/>
+          <p:cNvPicPr>
+            <a:picLocks noChangeAspect="1"/>
+          </p:cNvPicPr>
+          <p:nvPr/>
+        </p:nvPicPr>
+        <p:blipFill>
+          <a:blip r:embed="rId2">
+            <a:extLst>
+              <a:ext uri="{28A0092B-C50C-407E-A947-70E740481C1C}">
+                <a14:useLocalDpi xmlns:a14="http://schemas.microsoft.com/office/drawing/2010/main" val="0"/>
+              </a:ext>
+            </a:extLst>
+          </a:blip>
+          <a:stretch>
+            <a:fillRect/>
+          </a:stretch>
+        </p:blipFill>
+        <p:spPr>
+          <a:xfrm>
+            <a:off x="240924" y="2030322"/>
+            <a:ext cx="5536910" cy="3699918"/>
+          </a:xfrm>
+          <a:prstGeom prst="rect">
+            <a:avLst/>
+          </a:prstGeom>
+        </p:spPr>
+      </p:pic>
+      <p:pic>
+        <p:nvPicPr>
+          <p:cNvPr id="5" name="Picture 4"/>
+          <p:cNvPicPr>
+            <a:picLocks noChangeAspect="1"/>
+          </p:cNvPicPr>
+          <p:nvPr/>
+        </p:nvPicPr>
+        <p:blipFill>
+          <a:blip r:embed="rId3">
+            <a:extLst>
+              <a:ext uri="{28A0092B-C50C-407E-A947-70E740481C1C}">
+                <a14:useLocalDpi xmlns:a14="http://schemas.microsoft.com/office/drawing/2010/main" val="0"/>
+              </a:ext>
+            </a:extLst>
+          </a:blip>
+          <a:stretch>
+            <a:fillRect/>
+          </a:stretch>
+        </p:blipFill>
+        <p:spPr>
+          <a:xfrm>
+            <a:off x="6026331" y="1162080"/>
+            <a:ext cx="5970268" cy="4568160"/>
+          </a:xfrm>
+          <a:prstGeom prst="rect">
+            <a:avLst/>
+          </a:prstGeom>
+        </p:spPr>
+      </p:pic>
+      <p:pic>
+        <p:nvPicPr>
+          <p:cNvPr id="7" name="Picture 6"/>
+          <p:cNvPicPr>
+            <a:picLocks noChangeAspect="1"/>
+          </p:cNvPicPr>
+          <p:nvPr/>
+        </p:nvPicPr>
+        <p:blipFill>
+          <a:blip r:embed="rId4" cstate="print">
+            <a:extLst>
+              <a:ext uri="{28A0092B-C50C-407E-A947-70E740481C1C}">
+                <a14:useLocalDpi xmlns:a14="http://schemas.microsoft.com/office/drawing/2010/main" val="0"/>
+              </a:ext>
+            </a:extLst>
+          </a:blip>
+          <a:stretch>
+            <a:fillRect/>
+          </a:stretch>
+        </p:blipFill>
+        <p:spPr>
+          <a:xfrm>
+            <a:off x="4545870" y="158985"/>
+            <a:ext cx="1231964" cy="1441524"/>
+          </a:xfrm>
+          <a:prstGeom prst="rect">
+            <a:avLst/>
+          </a:prstGeom>
+        </p:spPr>
+      </p:pic>
+      <p:pic>
+        <p:nvPicPr>
+          <p:cNvPr id="8" name="Picture 7"/>
+          <p:cNvPicPr>
+            <a:picLocks noChangeAspect="1"/>
+          </p:cNvPicPr>
+          <p:nvPr/>
+        </p:nvPicPr>
+        <p:blipFill>
+          <a:blip r:embed="rId5">
+            <a:extLst>
+              <a:ext uri="{28A0092B-C50C-407E-A947-70E740481C1C}">
+                <a14:useLocalDpi xmlns:a14="http://schemas.microsoft.com/office/drawing/2010/main" val="0"/>
+              </a:ext>
+            </a:extLst>
+          </a:blip>
+          <a:stretch>
+            <a:fillRect/>
+          </a:stretch>
+        </p:blipFill>
+        <p:spPr>
+          <a:xfrm>
+            <a:off x="240924" y="158985"/>
+            <a:ext cx="3860814" cy="1454073"/>
+          </a:xfrm>
+          <a:prstGeom prst="rect">
+            <a:avLst/>
+          </a:prstGeom>
+        </p:spPr>
+      </p:pic>
+    </p:spTree>
+    <p:extLst>
+      <p:ext uri="{BB962C8B-B14F-4D97-AF65-F5344CB8AC3E}">
+        <p14:creationId xmlns:p14="http://schemas.microsoft.com/office/powerpoint/2010/main" val="2522259483"/>
+      </p:ext>
+    </p:extLst>
+  </p:cSld>
+  <p:clrMapOvr>
+    <a:masterClrMapping/>
+  </p:clrMapOvr>
+</p:sld>
+</file>
+
+<file path=ppt/slides/slide9.xml><?xml version="1.0" encoding="utf-8"?>
+<p:sld xmlns:a="http://schemas.openxmlformats.org/drawingml/2006/main" xmlns:r="http://schemas.openxmlformats.org/officeDocument/2006/relationships" xmlns:p="http://schemas.openxmlformats.org/presentationml/2006/main">
+  <p:cSld>
+    <p:spTree>
+      <p:nvGrpSpPr>
+        <p:cNvPr id="1" name=""/>
+        <p:cNvGrpSpPr/>
+        <p:nvPr/>
+      </p:nvGrpSpPr>
+      <p:grpSpPr>
+        <a:xfrm>
+          <a:off x="0" y="0"/>
+          <a:ext cx="0" cy="0"/>
+          <a:chOff x="0" y="0"/>
+          <a:chExt cx="0" cy="0"/>
+        </a:xfrm>
+      </p:grpSpPr>
+      <p:pic>
+        <p:nvPicPr>
+          <p:cNvPr id="4" name="Picture 3"/>
+          <p:cNvPicPr>
+            <a:picLocks noChangeAspect="1"/>
+          </p:cNvPicPr>
+          <p:nvPr/>
+        </p:nvPicPr>
+        <p:blipFill>
+          <a:blip r:embed="rId2">
+            <a:extLst>
+              <a:ext uri="{28A0092B-C50C-407E-A947-70E740481C1C}">
+                <a14:useLocalDpi xmlns:a14="http://schemas.microsoft.com/office/drawing/2010/main" val="0"/>
+              </a:ext>
+            </a:extLst>
+          </a:blip>
+          <a:stretch>
+            <a:fillRect/>
+          </a:stretch>
+        </p:blipFill>
+        <p:spPr>
+          <a:xfrm>
+            <a:off x="138865" y="81987"/>
+            <a:ext cx="3626848" cy="2510895"/>
+          </a:xfrm>
+          <a:prstGeom prst="rect">
+            <a:avLst/>
+          </a:prstGeom>
+        </p:spPr>
+      </p:pic>
+      <p:pic>
+        <p:nvPicPr>
+          <p:cNvPr id="5" name="Picture 4"/>
+          <p:cNvPicPr>
+            <a:picLocks noChangeAspect="1"/>
+          </p:cNvPicPr>
+          <p:nvPr/>
+        </p:nvPicPr>
+        <p:blipFill>
+          <a:blip r:embed="rId3">
+            <a:extLst>
+              <a:ext uri="{28A0092B-C50C-407E-A947-70E740481C1C}">
+                <a14:useLocalDpi xmlns:a14="http://schemas.microsoft.com/office/drawing/2010/main" val="0"/>
+              </a:ext>
+            </a:extLst>
+          </a:blip>
+          <a:stretch>
+            <a:fillRect/>
+          </a:stretch>
+        </p:blipFill>
+        <p:spPr>
+          <a:xfrm>
+            <a:off x="7589614" y="531222"/>
+            <a:ext cx="4224247" cy="5151121"/>
+          </a:xfrm>
+          <a:prstGeom prst="rect">
+            <a:avLst/>
+          </a:prstGeom>
+        </p:spPr>
+      </p:pic>
+      <p:pic>
+        <p:nvPicPr>
+          <p:cNvPr id="6" name="Picture 5"/>
+          <p:cNvPicPr>
+            <a:picLocks noChangeAspect="1"/>
+          </p:cNvPicPr>
+          <p:nvPr/>
+        </p:nvPicPr>
+        <p:blipFill>
+          <a:blip r:embed="rId4">
+            <a:extLst>
+              <a:ext uri="{28A0092B-C50C-407E-A947-70E740481C1C}">
+                <a14:useLocalDpi xmlns:a14="http://schemas.microsoft.com/office/drawing/2010/main" val="0"/>
+              </a:ext>
+            </a:extLst>
+          </a:blip>
+          <a:stretch>
+            <a:fillRect/>
+          </a:stretch>
+        </p:blipFill>
+        <p:spPr>
+          <a:xfrm>
+            <a:off x="405222" y="4110445"/>
+            <a:ext cx="3824832" cy="2506398"/>
+          </a:xfrm>
+          <a:prstGeom prst="rect">
+            <a:avLst/>
+          </a:prstGeom>
+        </p:spPr>
+      </p:pic>
+      <p:pic>
+        <p:nvPicPr>
+          <p:cNvPr id="7" name="Picture 6"/>
+          <p:cNvPicPr>
+            <a:picLocks noChangeAspect="1"/>
+          </p:cNvPicPr>
+          <p:nvPr/>
+        </p:nvPicPr>
+        <p:blipFill>
+          <a:blip r:embed="rId5">
+            <a:extLst>
+              <a:ext uri="{28A0092B-C50C-407E-A947-70E740481C1C}">
+                <a14:useLocalDpi xmlns:a14="http://schemas.microsoft.com/office/drawing/2010/main" val="0"/>
+              </a:ext>
+            </a:extLst>
+          </a:blip>
+          <a:stretch>
+            <a:fillRect/>
+          </a:stretch>
+        </p:blipFill>
+        <p:spPr>
+          <a:xfrm>
+            <a:off x="4070485" y="1106941"/>
+            <a:ext cx="3214356" cy="2820761"/>
+          </a:xfrm>
+          <a:prstGeom prst="rect">
+            <a:avLst/>
+          </a:prstGeom>
+        </p:spPr>
+      </p:pic>
+    </p:spTree>
+    <p:extLst>
+      <p:ext uri="{BB962C8B-B14F-4D97-AF65-F5344CB8AC3E}">
+        <p14:creationId xmlns:p14="http://schemas.microsoft.com/office/powerpoint/2010/main" val="1549201458"/>
       </p:ext>
     </p:extLst>
   </p:cSld>
